--- a/images/DAG.pptx
+++ b/images/DAG.pptx
@@ -6,6 +6,7 @@
   </p:sldMasterIdLst>
   <p:sldIdLst>
     <p:sldId id="256" r:id="rId2"/>
+    <p:sldId id="257" r:id="rId3"/>
   </p:sldIdLst>
   <p:sldSz cx="12192000" cy="6858000"/>
   <p:notesSz cx="6858000" cy="9144000"/>
@@ -104,6 +105,11 @@
       </a:defRPr>
     </a:lvl9pPr>
   </p:defaultTextStyle>
+  <p:extLst>
+    <p:ext uri="{EFAFB233-063F-42B5-8137-9DF3F51BA10A}">
+      <p15:sldGuideLst xmlns:p15="http://schemas.microsoft.com/office/powerpoint/2012/main"/>
+    </p:ext>
+  </p:extLst>
 </p:presentation>
 </file>
 
@@ -238,7 +244,7 @@
           <a:p>
             <a:fld id="{B030A541-3F6B-42FD-9C8E-FEC9C25F1663}" type="datetimeFigureOut">
               <a:rPr lang="en-US" smtClean="0"/>
-              <a:t>10/8/2025</a:t>
+              <a:t>10/10/2025</a:t>
             </a:fld>
             <a:endParaRPr lang="en-US"/>
           </a:p>
@@ -408,7 +414,7 @@
           <a:p>
             <a:fld id="{B030A541-3F6B-42FD-9C8E-FEC9C25F1663}" type="datetimeFigureOut">
               <a:rPr lang="en-US" smtClean="0"/>
-              <a:t>10/8/2025</a:t>
+              <a:t>10/10/2025</a:t>
             </a:fld>
             <a:endParaRPr lang="en-US"/>
           </a:p>
@@ -588,7 +594,7 @@
           <a:p>
             <a:fld id="{B030A541-3F6B-42FD-9C8E-FEC9C25F1663}" type="datetimeFigureOut">
               <a:rPr lang="en-US" smtClean="0"/>
-              <a:t>10/8/2025</a:t>
+              <a:t>10/10/2025</a:t>
             </a:fld>
             <a:endParaRPr lang="en-US"/>
           </a:p>
@@ -758,7 +764,7 @@
           <a:p>
             <a:fld id="{B030A541-3F6B-42FD-9C8E-FEC9C25F1663}" type="datetimeFigureOut">
               <a:rPr lang="en-US" smtClean="0"/>
-              <a:t>10/8/2025</a:t>
+              <a:t>10/10/2025</a:t>
             </a:fld>
             <a:endParaRPr lang="en-US"/>
           </a:p>
@@ -1004,7 +1010,7 @@
           <a:p>
             <a:fld id="{B030A541-3F6B-42FD-9C8E-FEC9C25F1663}" type="datetimeFigureOut">
               <a:rPr lang="en-US" smtClean="0"/>
-              <a:t>10/8/2025</a:t>
+              <a:t>10/10/2025</a:t>
             </a:fld>
             <a:endParaRPr lang="en-US"/>
           </a:p>
@@ -1236,7 +1242,7 @@
           <a:p>
             <a:fld id="{B030A541-3F6B-42FD-9C8E-FEC9C25F1663}" type="datetimeFigureOut">
               <a:rPr lang="en-US" smtClean="0"/>
-              <a:t>10/8/2025</a:t>
+              <a:t>10/10/2025</a:t>
             </a:fld>
             <a:endParaRPr lang="en-US"/>
           </a:p>
@@ -1603,7 +1609,7 @@
           <a:p>
             <a:fld id="{B030A541-3F6B-42FD-9C8E-FEC9C25F1663}" type="datetimeFigureOut">
               <a:rPr lang="en-US" smtClean="0"/>
-              <a:t>10/8/2025</a:t>
+              <a:t>10/10/2025</a:t>
             </a:fld>
             <a:endParaRPr lang="en-US"/>
           </a:p>
@@ -1721,7 +1727,7 @@
           <a:p>
             <a:fld id="{B030A541-3F6B-42FD-9C8E-FEC9C25F1663}" type="datetimeFigureOut">
               <a:rPr lang="en-US" smtClean="0"/>
-              <a:t>10/8/2025</a:t>
+              <a:t>10/10/2025</a:t>
             </a:fld>
             <a:endParaRPr lang="en-US"/>
           </a:p>
@@ -1816,7 +1822,7 @@
           <a:p>
             <a:fld id="{B030A541-3F6B-42FD-9C8E-FEC9C25F1663}" type="datetimeFigureOut">
               <a:rPr lang="en-US" smtClean="0"/>
-              <a:t>10/8/2025</a:t>
+              <a:t>10/10/2025</a:t>
             </a:fld>
             <a:endParaRPr lang="en-US"/>
           </a:p>
@@ -2093,7 +2099,7 @@
           <a:p>
             <a:fld id="{B030A541-3F6B-42FD-9C8E-FEC9C25F1663}" type="datetimeFigureOut">
               <a:rPr lang="en-US" smtClean="0"/>
-              <a:t>10/8/2025</a:t>
+              <a:t>10/10/2025</a:t>
             </a:fld>
             <a:endParaRPr lang="en-US"/>
           </a:p>
@@ -2346,7 +2352,7 @@
           <a:p>
             <a:fld id="{B030A541-3F6B-42FD-9C8E-FEC9C25F1663}" type="datetimeFigureOut">
               <a:rPr lang="en-US" smtClean="0"/>
-              <a:t>10/8/2025</a:t>
+              <a:t>10/10/2025</a:t>
             </a:fld>
             <a:endParaRPr lang="en-US"/>
           </a:p>
@@ -2559,7 +2565,7 @@
           <a:p>
             <a:fld id="{B030A541-3F6B-42FD-9C8E-FEC9C25F1663}" type="datetimeFigureOut">
               <a:rPr lang="en-US" smtClean="0"/>
-              <a:t>10/8/2025</a:t>
+              <a:t>10/10/2025</a:t>
             </a:fld>
             <a:endParaRPr lang="en-US"/>
           </a:p>
@@ -2964,8 +2970,8 @@
           <a:chExt cx="0" cy="0"/>
         </a:xfrm>
       </p:grpSpPr>
-      <mc:AlternateContent xmlns:mc="http://schemas.openxmlformats.org/markup-compatibility/2006">
-        <mc:Choice xmlns:a14="http://schemas.microsoft.com/office/drawing/2010/main" Requires="a14">
+      <mc:AlternateContent xmlns:mc="http://schemas.openxmlformats.org/markup-compatibility/2006" xmlns:a14="http://schemas.microsoft.com/office/drawing/2010/main">
+        <mc:Choice Requires="a14">
           <p:sp>
             <p:nvSpPr>
               <p:cNvPr id="4" name="ZoneTexte 3"/>
@@ -2988,6 +2994,7 @@
               </a:bodyPr>
               <a:lstStyle/>
               <a:p>
+                <a:pPr/>
                 <a14:m>
                   <m:oMathPara xmlns:m="http://schemas.openxmlformats.org/officeDocument/2006/math">
                     <m:oMathParaPr>
@@ -3043,6 +3050,7 @@
                 <a:endParaRPr lang="fr-FR" b="1" dirty="0" smtClean="0"/>
               </a:p>
               <a:p>
+                <a:pPr/>
                 <a14:m>
                   <m:oMathPara xmlns:m="http://schemas.openxmlformats.org/officeDocument/2006/math">
                     <m:oMathParaPr>
@@ -3124,7 +3132,7 @@
             </p:txBody>
           </p:sp>
         </mc:Choice>
-        <mc:Fallback>
+        <mc:Fallback xmlns="">
           <p:sp>
             <p:nvSpPr>
               <p:cNvPr id="4" name="ZoneTexte 3"/>
@@ -3163,8 +3171,8 @@
           </p:sp>
         </mc:Fallback>
       </mc:AlternateContent>
-      <mc:AlternateContent xmlns:mc="http://schemas.openxmlformats.org/markup-compatibility/2006">
-        <mc:Choice xmlns:a14="http://schemas.microsoft.com/office/drawing/2010/main" Requires="a14">
+      <mc:AlternateContent xmlns:mc="http://schemas.openxmlformats.org/markup-compatibility/2006" xmlns:a14="http://schemas.microsoft.com/office/drawing/2010/main">
+        <mc:Choice Requires="a14">
           <p:sp>
             <p:nvSpPr>
               <p:cNvPr id="5" name="ZoneTexte 4"/>
@@ -3187,6 +3195,7 @@
               </a:bodyPr>
               <a:lstStyle/>
               <a:p>
+                <a:pPr/>
                 <a14:m>
                   <m:oMathPara xmlns:m="http://schemas.openxmlformats.org/officeDocument/2006/math">
                     <m:oMathParaPr>
@@ -3226,7 +3235,7 @@
             </p:txBody>
           </p:sp>
         </mc:Choice>
-        <mc:Fallback>
+        <mc:Fallback xmlns="">
           <p:sp>
             <p:nvSpPr>
               <p:cNvPr id="5" name="ZoneTexte 4"/>
@@ -3265,8 +3274,8 @@
           </p:sp>
         </mc:Fallback>
       </mc:AlternateContent>
-      <mc:AlternateContent xmlns:mc="http://schemas.openxmlformats.org/markup-compatibility/2006">
-        <mc:Choice xmlns:a14="http://schemas.microsoft.com/office/drawing/2010/main" Requires="a14">
+      <mc:AlternateContent xmlns:mc="http://schemas.openxmlformats.org/markup-compatibility/2006" xmlns:a14="http://schemas.microsoft.com/office/drawing/2010/main">
+        <mc:Choice Requires="a14">
           <p:sp>
             <p:nvSpPr>
               <p:cNvPr id="6" name="ZoneTexte 5"/>
@@ -3289,6 +3298,7 @@
               </a:bodyPr>
               <a:lstStyle/>
               <a:p>
+                <a:pPr/>
                 <a14:m>
                   <m:oMathPara xmlns:m="http://schemas.openxmlformats.org/officeDocument/2006/math">
                     <m:oMathParaPr>
@@ -3328,7 +3338,7 @@
             </p:txBody>
           </p:sp>
         </mc:Choice>
-        <mc:Fallback>
+        <mc:Fallback xmlns="">
           <p:sp>
             <p:nvSpPr>
               <p:cNvPr id="6" name="ZoneTexte 5"/>
@@ -3367,8 +3377,8 @@
           </p:sp>
         </mc:Fallback>
       </mc:AlternateContent>
-      <mc:AlternateContent xmlns:mc="http://schemas.openxmlformats.org/markup-compatibility/2006">
-        <mc:Choice xmlns:a14="http://schemas.microsoft.com/office/drawing/2010/main" Requires="a14">
+      <mc:AlternateContent xmlns:mc="http://schemas.openxmlformats.org/markup-compatibility/2006" xmlns:a14="http://schemas.microsoft.com/office/drawing/2010/main">
+        <mc:Choice Requires="a14">
           <p:sp>
             <p:nvSpPr>
               <p:cNvPr id="7" name="ZoneTexte 6"/>
@@ -3391,6 +3401,7 @@
               </a:bodyPr>
               <a:lstStyle/>
               <a:p>
+                <a:pPr/>
                 <a14:m>
                   <m:oMathPara xmlns:m="http://schemas.openxmlformats.org/officeDocument/2006/math">
                     <m:oMathParaPr>
@@ -3446,6 +3457,7 @@
                 <a:endParaRPr lang="fr-FR" b="1" dirty="0" smtClean="0"/>
               </a:p>
               <a:p>
+                <a:pPr/>
                 <a14:m>
                   <m:oMathPara xmlns:m="http://schemas.openxmlformats.org/officeDocument/2006/math">
                     <m:oMathParaPr>
@@ -3503,7 +3515,7 @@
             </p:txBody>
           </p:sp>
         </mc:Choice>
-        <mc:Fallback>
+        <mc:Fallback xmlns="">
           <p:sp>
             <p:nvSpPr>
               <p:cNvPr id="7" name="ZoneTexte 6"/>
@@ -3542,8 +3554,8 @@
           </p:sp>
         </mc:Fallback>
       </mc:AlternateContent>
-      <mc:AlternateContent xmlns:mc="http://schemas.openxmlformats.org/markup-compatibility/2006">
-        <mc:Choice xmlns:a14="http://schemas.microsoft.com/office/drawing/2010/main" Requires="a14">
+      <mc:AlternateContent xmlns:mc="http://schemas.openxmlformats.org/markup-compatibility/2006" xmlns:a14="http://schemas.microsoft.com/office/drawing/2010/main">
+        <mc:Choice Requires="a14">
           <p:sp>
             <p:nvSpPr>
               <p:cNvPr id="8" name="ZoneTexte 7"/>
@@ -3566,6 +3578,7 @@
               </a:bodyPr>
               <a:lstStyle/>
               <a:p>
+                <a:pPr/>
                 <a14:m>
                   <m:oMathPara xmlns:m="http://schemas.openxmlformats.org/officeDocument/2006/math">
                     <m:oMathParaPr>
@@ -3586,7 +3599,7 @@
             </p:txBody>
           </p:sp>
         </mc:Choice>
-        <mc:Fallback>
+        <mc:Fallback xmlns="">
           <p:sp>
             <p:nvSpPr>
               <p:cNvPr id="8" name="ZoneTexte 7"/>
@@ -4050,6 +4063,2544 @@
     <p:extLst>
       <p:ext uri="{BB962C8B-B14F-4D97-AF65-F5344CB8AC3E}">
         <p14:creationId xmlns:p14="http://schemas.microsoft.com/office/powerpoint/2010/main" val="753038352"/>
+      </p:ext>
+    </p:extLst>
+  </p:cSld>
+  <p:clrMapOvr>
+    <a:masterClrMapping/>
+  </p:clrMapOvr>
+</p:sld>
+</file>
+
+<file path=ppt/slides/slide2.xml><?xml version="1.0" encoding="utf-8"?>
+<p:sld xmlns:a="http://schemas.openxmlformats.org/drawingml/2006/main" xmlns:r="http://schemas.openxmlformats.org/officeDocument/2006/relationships" xmlns:p="http://schemas.openxmlformats.org/presentationml/2006/main">
+  <p:cSld>
+    <p:spTree>
+      <p:nvGrpSpPr>
+        <p:cNvPr id="1" name=""/>
+        <p:cNvGrpSpPr/>
+        <p:nvPr/>
+      </p:nvGrpSpPr>
+      <p:grpSpPr>
+        <a:xfrm>
+          <a:off x="0" y="0"/>
+          <a:ext cx="0" cy="0"/>
+          <a:chOff x="0" y="0"/>
+          <a:chExt cx="0" cy="0"/>
+        </a:xfrm>
+      </p:grpSpPr>
+      <mc:AlternateContent xmlns:mc="http://schemas.openxmlformats.org/markup-compatibility/2006" xmlns:a14="http://schemas.microsoft.com/office/drawing/2010/main">
+        <mc:Choice Requires="a14">
+          <p:sp>
+            <p:nvSpPr>
+              <p:cNvPr id="4" name="ZoneTexte 3"/>
+              <p:cNvSpPr txBox="1"/>
+              <p:nvPr/>
+            </p:nvSpPr>
+            <p:spPr>
+              <a:xfrm>
+                <a:off x="1986647" y="1026367"/>
+                <a:ext cx="808170" cy="646331"/>
+              </a:xfrm>
+              <a:prstGeom prst="rect">
+                <a:avLst/>
+              </a:prstGeom>
+              <a:noFill/>
+            </p:spPr>
+            <p:txBody>
+              <a:bodyPr wrap="none" rtlCol="0">
+                <a:spAutoFit/>
+              </a:bodyPr>
+              <a:lstStyle/>
+              <a:p>
+                <a:pPr/>
+                <a14:m>
+                  <m:oMathPara xmlns:m="http://schemas.openxmlformats.org/officeDocument/2006/math">
+                    <m:oMathParaPr>
+                      <m:jc m:val="centerGroup"/>
+                    </m:oMathParaPr>
+                    <m:oMath xmlns:m="http://schemas.openxmlformats.org/officeDocument/2006/math">
+                      <m:sSub>
+                        <m:sSubPr>
+                          <m:ctrlPr>
+                            <a:rPr lang="fr-FR" b="1" i="1" dirty="0" smtClean="0">
+                              <a:solidFill>
+                                <a:schemeClr val="accent2">
+                                  <a:lumMod val="75000"/>
+                                </a:schemeClr>
+                              </a:solidFill>
+                              <a:latin typeface="Cambria Math" panose="02040503050406030204" pitchFamily="18" charset="0"/>
+                            </a:rPr>
+                          </m:ctrlPr>
+                        </m:sSubPr>
+                        <m:e>
+                          <m:r>
+                            <a:rPr lang="fr-FR" b="1" i="1" dirty="0" smtClean="0">
+                              <a:solidFill>
+                                <a:schemeClr val="accent2">
+                                  <a:lumMod val="75000"/>
+                                </a:schemeClr>
+                              </a:solidFill>
+                              <a:latin typeface="Cambria Math" panose="02040503050406030204" pitchFamily="18" charset="0"/>
+                            </a:rPr>
+                            <m:t>𝑳</m:t>
+                          </m:r>
+                          <m:r>
+                            <a:rPr lang="fr-FR" b="1" i="1" dirty="0" smtClean="0">
+                              <a:solidFill>
+                                <a:schemeClr val="accent2">
+                                  <a:lumMod val="75000"/>
+                                </a:schemeClr>
+                              </a:solidFill>
+                              <a:latin typeface="Cambria Math" panose="02040503050406030204" pitchFamily="18" charset="0"/>
+                            </a:rPr>
+                            <m:t>(</m:t>
+                          </m:r>
+                          <m:r>
+                            <a:rPr lang="fr-FR" b="1" i="1" dirty="0" smtClean="0">
+                              <a:solidFill>
+                                <a:schemeClr val="accent2">
+                                  <a:lumMod val="75000"/>
+                                </a:schemeClr>
+                              </a:solidFill>
+                              <a:latin typeface="Cambria Math" panose="02040503050406030204" pitchFamily="18" charset="0"/>
+                            </a:rPr>
+                            <m:t>𝟎</m:t>
+                          </m:r>
+                          <m:r>
+                            <a:rPr lang="fr-FR" b="1" i="1" dirty="0" smtClean="0">
+                              <a:solidFill>
+                                <a:schemeClr val="accent2">
+                                  <a:lumMod val="75000"/>
+                                </a:schemeClr>
+                              </a:solidFill>
+                              <a:latin typeface="Cambria Math" panose="02040503050406030204" pitchFamily="18" charset="0"/>
+                            </a:rPr>
+                            <m:t>)</m:t>
+                          </m:r>
+                        </m:e>
+                        <m:sub>
+                          <m:r>
+                            <a:rPr lang="fr-FR" b="1" i="1" dirty="0" smtClean="0">
+                              <a:solidFill>
+                                <a:schemeClr val="accent2">
+                                  <a:lumMod val="75000"/>
+                                </a:schemeClr>
+                              </a:solidFill>
+                              <a:latin typeface="Cambria Math" panose="02040503050406030204" pitchFamily="18" charset="0"/>
+                            </a:rPr>
+                            <m:t>𝟏</m:t>
+                          </m:r>
+                        </m:sub>
+                      </m:sSub>
+                    </m:oMath>
+                  </m:oMathPara>
+                </a14:m>
+                <a:endParaRPr lang="fr-FR" b="1" dirty="0" smtClean="0">
+                  <a:solidFill>
+                    <a:schemeClr val="accent2">
+                      <a:lumMod val="75000"/>
+                    </a:schemeClr>
+                  </a:solidFill>
+                </a:endParaRPr>
+              </a:p>
+              <a:p>
+                <a:pPr/>
+                <a14:m>
+                  <m:oMathPara xmlns:m="http://schemas.openxmlformats.org/officeDocument/2006/math">
+                    <m:oMathParaPr>
+                      <m:jc m:val="centerGroup"/>
+                    </m:oMathParaPr>
+                    <m:oMath xmlns:m="http://schemas.openxmlformats.org/officeDocument/2006/math">
+                      <m:sSub>
+                        <m:sSubPr>
+                          <m:ctrlPr>
+                            <a:rPr lang="en-US" b="1" i="1" smtClean="0">
+                              <a:solidFill>
+                                <a:schemeClr val="accent2">
+                                  <a:lumMod val="75000"/>
+                                </a:schemeClr>
+                              </a:solidFill>
+                              <a:latin typeface="Cambria Math" panose="02040503050406030204" pitchFamily="18" charset="0"/>
+                            </a:rPr>
+                          </m:ctrlPr>
+                        </m:sSubPr>
+                        <m:e>
+                          <m:r>
+                            <a:rPr lang="fr-FR" b="1" i="1" smtClean="0">
+                              <a:solidFill>
+                                <a:schemeClr val="accent2">
+                                  <a:lumMod val="75000"/>
+                                </a:schemeClr>
+                              </a:solidFill>
+                              <a:latin typeface="Cambria Math" panose="02040503050406030204" pitchFamily="18" charset="0"/>
+                            </a:rPr>
+                            <m:t>𝑳</m:t>
+                          </m:r>
+                          <m:r>
+                            <a:rPr lang="fr-FR" b="1" i="1" smtClean="0">
+                              <a:solidFill>
+                                <a:schemeClr val="accent2">
+                                  <a:lumMod val="75000"/>
+                                </a:schemeClr>
+                              </a:solidFill>
+                              <a:latin typeface="Cambria Math" panose="02040503050406030204" pitchFamily="18" charset="0"/>
+                            </a:rPr>
+                            <m:t>(</m:t>
+                          </m:r>
+                          <m:r>
+                            <a:rPr lang="fr-FR" b="1" i="1" smtClean="0">
+                              <a:solidFill>
+                                <a:schemeClr val="accent2">
+                                  <a:lumMod val="75000"/>
+                                </a:schemeClr>
+                              </a:solidFill>
+                              <a:latin typeface="Cambria Math" panose="02040503050406030204" pitchFamily="18" charset="0"/>
+                            </a:rPr>
+                            <m:t>𝟎</m:t>
+                          </m:r>
+                          <m:r>
+                            <a:rPr lang="fr-FR" b="1" i="1" smtClean="0">
+                              <a:solidFill>
+                                <a:schemeClr val="accent2">
+                                  <a:lumMod val="75000"/>
+                                </a:schemeClr>
+                              </a:solidFill>
+                              <a:latin typeface="Cambria Math" panose="02040503050406030204" pitchFamily="18" charset="0"/>
+                            </a:rPr>
+                            <m:t>)</m:t>
+                          </m:r>
+                        </m:e>
+                        <m:sub>
+                          <m:r>
+                            <a:rPr lang="fr-FR" b="1" i="1" smtClean="0">
+                              <a:solidFill>
+                                <a:schemeClr val="accent2">
+                                  <a:lumMod val="75000"/>
+                                </a:schemeClr>
+                              </a:solidFill>
+                              <a:latin typeface="Cambria Math" panose="02040503050406030204" pitchFamily="18" charset="0"/>
+                            </a:rPr>
+                            <m:t>𝟐</m:t>
+                          </m:r>
+                        </m:sub>
+                      </m:sSub>
+                    </m:oMath>
+                  </m:oMathPara>
+                </a14:m>
+                <a:endParaRPr lang="en-US" b="1" dirty="0">
+                  <a:solidFill>
+                    <a:schemeClr val="accent2">
+                      <a:lumMod val="75000"/>
+                    </a:schemeClr>
+                  </a:solidFill>
+                </a:endParaRPr>
+              </a:p>
+            </p:txBody>
+          </p:sp>
+        </mc:Choice>
+        <mc:Fallback xmlns="">
+          <p:sp>
+            <p:nvSpPr>
+              <p:cNvPr id="4" name="ZoneTexte 3"/>
+              <p:cNvSpPr txBox="1">
+                <a:spLocks noRot="1" noChangeAspect="1" noMove="1" noResize="1" noEditPoints="1" noAdjustHandles="1" noChangeArrowheads="1" noChangeShapeType="1" noTextEdit="1"/>
+              </p:cNvSpPr>
+              <p:nvPr/>
+            </p:nvSpPr>
+            <p:spPr>
+              <a:xfrm>
+                <a:off x="1986647" y="1026367"/>
+                <a:ext cx="808170" cy="646331"/>
+              </a:xfrm>
+              <a:prstGeom prst="rect">
+                <a:avLst/>
+              </a:prstGeom>
+              <a:blipFill>
+                <a:blip r:embed="rId2"/>
+                <a:stretch>
+                  <a:fillRect b="-7547"/>
+                </a:stretch>
+              </a:blipFill>
+            </p:spPr>
+            <p:txBody>
+              <a:bodyPr/>
+              <a:lstStyle/>
+              <a:p>
+                <a:r>
+                  <a:rPr lang="en-US">
+                    <a:noFill/>
+                  </a:rPr>
+                  <a:t> </a:t>
+                </a:r>
+              </a:p>
+            </p:txBody>
+          </p:sp>
+        </mc:Fallback>
+      </mc:AlternateContent>
+      <mc:AlternateContent xmlns:mc="http://schemas.openxmlformats.org/markup-compatibility/2006" xmlns:a14="http://schemas.microsoft.com/office/drawing/2010/main">
+        <mc:Choice Requires="a14">
+          <p:sp>
+            <p:nvSpPr>
+              <p:cNvPr id="5" name="ZoneTexte 4"/>
+              <p:cNvSpPr txBox="1"/>
+              <p:nvPr/>
+            </p:nvSpPr>
+            <p:spPr>
+              <a:xfrm>
+                <a:off x="3053972" y="2754861"/>
+                <a:ext cx="720069" cy="369332"/>
+              </a:xfrm>
+              <a:prstGeom prst="rect">
+                <a:avLst/>
+              </a:prstGeom>
+              <a:noFill/>
+            </p:spPr>
+            <p:txBody>
+              <a:bodyPr wrap="none" rtlCol="0">
+                <a:spAutoFit/>
+              </a:bodyPr>
+              <a:lstStyle/>
+              <a:p>
+                <a:pPr/>
+                <a14:m>
+                  <m:oMathPara xmlns:m="http://schemas.openxmlformats.org/officeDocument/2006/math">
+                    <m:oMathParaPr>
+                      <m:jc m:val="centerGroup"/>
+                    </m:oMathParaPr>
+                    <m:oMath xmlns:m="http://schemas.openxmlformats.org/officeDocument/2006/math">
+                      <m:r>
+                        <a:rPr lang="fr-FR" b="1" i="1" dirty="0" smtClean="0">
+                          <a:solidFill>
+                            <a:srgbClr val="00B050"/>
+                          </a:solidFill>
+                          <a:latin typeface="Cambria Math" panose="02040503050406030204" pitchFamily="18" charset="0"/>
+                        </a:rPr>
+                        <m:t>𝑨</m:t>
+                      </m:r>
+                      <m:r>
+                        <a:rPr lang="fr-FR" b="1" i="1" dirty="0" smtClean="0">
+                          <a:solidFill>
+                            <a:srgbClr val="00B050"/>
+                          </a:solidFill>
+                          <a:latin typeface="Cambria Math" panose="02040503050406030204" pitchFamily="18" charset="0"/>
+                        </a:rPr>
+                        <m:t>(</m:t>
+                      </m:r>
+                      <m:r>
+                        <a:rPr lang="fr-FR" b="1" i="1" dirty="0" smtClean="0">
+                          <a:solidFill>
+                            <a:srgbClr val="00B050"/>
+                          </a:solidFill>
+                          <a:latin typeface="Cambria Math" panose="02040503050406030204" pitchFamily="18" charset="0"/>
+                        </a:rPr>
+                        <m:t>𝟏</m:t>
+                      </m:r>
+                      <m:r>
+                        <a:rPr lang="fr-FR" b="1" i="1" dirty="0" smtClean="0">
+                          <a:solidFill>
+                            <a:srgbClr val="00B050"/>
+                          </a:solidFill>
+                          <a:latin typeface="Cambria Math" panose="02040503050406030204" pitchFamily="18" charset="0"/>
+                        </a:rPr>
+                        <m:t>)</m:t>
+                      </m:r>
+                    </m:oMath>
+                  </m:oMathPara>
+                </a14:m>
+                <a:endParaRPr lang="fr-FR" b="1" dirty="0" smtClean="0">
+                  <a:solidFill>
+                    <a:srgbClr val="00B050"/>
+                  </a:solidFill>
+                </a:endParaRPr>
+              </a:p>
+            </p:txBody>
+          </p:sp>
+        </mc:Choice>
+        <mc:Fallback xmlns="">
+          <p:sp>
+            <p:nvSpPr>
+              <p:cNvPr id="5" name="ZoneTexte 4"/>
+              <p:cNvSpPr txBox="1">
+                <a:spLocks noRot="1" noChangeAspect="1" noMove="1" noResize="1" noEditPoints="1" noAdjustHandles="1" noChangeArrowheads="1" noChangeShapeType="1" noTextEdit="1"/>
+              </p:cNvSpPr>
+              <p:nvPr/>
+            </p:nvSpPr>
+            <p:spPr>
+              <a:xfrm>
+                <a:off x="3053972" y="2754861"/>
+                <a:ext cx="720069" cy="369332"/>
+              </a:xfrm>
+              <a:prstGeom prst="rect">
+                <a:avLst/>
+              </a:prstGeom>
+              <a:blipFill>
+                <a:blip r:embed="rId3"/>
+                <a:stretch>
+                  <a:fillRect b="-13333"/>
+                </a:stretch>
+              </a:blipFill>
+            </p:spPr>
+            <p:txBody>
+              <a:bodyPr/>
+              <a:lstStyle/>
+              <a:p>
+                <a:r>
+                  <a:rPr lang="en-US">
+                    <a:noFill/>
+                  </a:rPr>
+                  <a:t> </a:t>
+                </a:r>
+              </a:p>
+            </p:txBody>
+          </p:sp>
+        </mc:Fallback>
+      </mc:AlternateContent>
+      <mc:AlternateContent xmlns:mc="http://schemas.openxmlformats.org/markup-compatibility/2006" xmlns:a14="http://schemas.microsoft.com/office/drawing/2010/main">
+        <mc:Choice Requires="a14">
+          <p:sp>
+            <p:nvSpPr>
+              <p:cNvPr id="6" name="ZoneTexte 5"/>
+              <p:cNvSpPr txBox="1"/>
+              <p:nvPr/>
+            </p:nvSpPr>
+            <p:spPr>
+              <a:xfrm>
+                <a:off x="7405146" y="2754861"/>
+                <a:ext cx="777777" cy="369332"/>
+              </a:xfrm>
+              <a:prstGeom prst="rect">
+                <a:avLst/>
+              </a:prstGeom>
+              <a:noFill/>
+            </p:spPr>
+            <p:txBody>
+              <a:bodyPr wrap="none" rtlCol="0">
+                <a:spAutoFit/>
+              </a:bodyPr>
+              <a:lstStyle/>
+              <a:p>
+                <a:pPr/>
+                <a14:m>
+                  <m:oMathPara xmlns:m="http://schemas.openxmlformats.org/officeDocument/2006/math">
+                    <m:oMathParaPr>
+                      <m:jc m:val="centerGroup"/>
+                    </m:oMathParaPr>
+                    <m:oMath xmlns:m="http://schemas.openxmlformats.org/officeDocument/2006/math">
+                      <m:r>
+                        <a:rPr lang="fr-FR" b="1" i="1" dirty="0" smtClean="0">
+                          <a:solidFill>
+                            <a:srgbClr val="00B050"/>
+                          </a:solidFill>
+                          <a:latin typeface="Cambria Math" panose="02040503050406030204" pitchFamily="18" charset="0"/>
+                        </a:rPr>
+                        <m:t>𝑴</m:t>
+                      </m:r>
+                      <m:r>
+                        <a:rPr lang="fr-FR" b="1" i="1" dirty="0" smtClean="0">
+                          <a:solidFill>
+                            <a:srgbClr val="00B050"/>
+                          </a:solidFill>
+                          <a:latin typeface="Cambria Math" panose="02040503050406030204" pitchFamily="18" charset="0"/>
+                        </a:rPr>
+                        <m:t>(</m:t>
+                      </m:r>
+                      <m:r>
+                        <a:rPr lang="fr-FR" b="1" i="1" dirty="0" smtClean="0">
+                          <a:solidFill>
+                            <a:srgbClr val="00B050"/>
+                          </a:solidFill>
+                          <a:latin typeface="Cambria Math" panose="02040503050406030204" pitchFamily="18" charset="0"/>
+                        </a:rPr>
+                        <m:t>𝟐</m:t>
+                      </m:r>
+                      <m:r>
+                        <a:rPr lang="fr-FR" b="1" i="1" dirty="0" smtClean="0">
+                          <a:solidFill>
+                            <a:srgbClr val="00B050"/>
+                          </a:solidFill>
+                          <a:latin typeface="Cambria Math" panose="02040503050406030204" pitchFamily="18" charset="0"/>
+                        </a:rPr>
+                        <m:t>)</m:t>
+                      </m:r>
+                    </m:oMath>
+                  </m:oMathPara>
+                </a14:m>
+                <a:endParaRPr lang="fr-FR" b="1" dirty="0" smtClean="0">
+                  <a:solidFill>
+                    <a:srgbClr val="00B050"/>
+                  </a:solidFill>
+                </a:endParaRPr>
+              </a:p>
+            </p:txBody>
+          </p:sp>
+        </mc:Choice>
+        <mc:Fallback xmlns="">
+          <p:sp>
+            <p:nvSpPr>
+              <p:cNvPr id="6" name="ZoneTexte 5"/>
+              <p:cNvSpPr txBox="1">
+                <a:spLocks noRot="1" noChangeAspect="1" noMove="1" noResize="1" noEditPoints="1" noAdjustHandles="1" noChangeArrowheads="1" noChangeShapeType="1" noTextEdit="1"/>
+              </p:cNvSpPr>
+              <p:nvPr/>
+            </p:nvSpPr>
+            <p:spPr>
+              <a:xfrm>
+                <a:off x="7405146" y="2754861"/>
+                <a:ext cx="777777" cy="369332"/>
+              </a:xfrm>
+              <a:prstGeom prst="rect">
+                <a:avLst/>
+              </a:prstGeom>
+              <a:blipFill>
+                <a:blip r:embed="rId4"/>
+                <a:stretch>
+                  <a:fillRect b="-13333"/>
+                </a:stretch>
+              </a:blipFill>
+            </p:spPr>
+            <p:txBody>
+              <a:bodyPr/>
+              <a:lstStyle/>
+              <a:p>
+                <a:r>
+                  <a:rPr lang="en-US">
+                    <a:noFill/>
+                  </a:rPr>
+                  <a:t> </a:t>
+                </a:r>
+              </a:p>
+            </p:txBody>
+          </p:sp>
+        </mc:Fallback>
+      </mc:AlternateContent>
+      <mc:AlternateContent xmlns:mc="http://schemas.openxmlformats.org/markup-compatibility/2006" xmlns:a14="http://schemas.microsoft.com/office/drawing/2010/main">
+        <mc:Choice Requires="a14">
+          <p:sp>
+            <p:nvSpPr>
+              <p:cNvPr id="7" name="ZoneTexte 6"/>
+              <p:cNvSpPr txBox="1"/>
+              <p:nvPr/>
+            </p:nvSpPr>
+            <p:spPr>
+              <a:xfrm>
+                <a:off x="4766013" y="4226307"/>
+                <a:ext cx="713657" cy="369332"/>
+              </a:xfrm>
+              <a:prstGeom prst="rect">
+                <a:avLst/>
+              </a:prstGeom>
+              <a:noFill/>
+            </p:spPr>
+            <p:txBody>
+              <a:bodyPr wrap="none" rtlCol="0">
+                <a:spAutoFit/>
+              </a:bodyPr>
+              <a:lstStyle/>
+              <a:p>
+                <a:pPr/>
+                <a14:m>
+                  <m:oMathPara xmlns:m="http://schemas.openxmlformats.org/officeDocument/2006/math">
+                    <m:oMathParaPr>
+                      <m:jc m:val="centerGroup"/>
+                    </m:oMathParaPr>
+                    <m:oMath xmlns:m="http://schemas.openxmlformats.org/officeDocument/2006/math">
+                      <m:r>
+                        <a:rPr lang="fr-FR" b="1" i="1" dirty="0" smtClean="0">
+                          <a:solidFill>
+                            <a:srgbClr val="0070C0"/>
+                          </a:solidFill>
+                          <a:latin typeface="Cambria Math" panose="02040503050406030204" pitchFamily="18" charset="0"/>
+                        </a:rPr>
+                        <m:t>𝒀</m:t>
+                      </m:r>
+                      <m:r>
+                        <a:rPr lang="fr-FR" b="1" i="1" dirty="0">
+                          <a:solidFill>
+                            <a:srgbClr val="0070C0"/>
+                          </a:solidFill>
+                          <a:latin typeface="Cambria Math" panose="02040503050406030204" pitchFamily="18" charset="0"/>
+                        </a:rPr>
+                        <m:t>(</m:t>
+                      </m:r>
+                      <m:r>
+                        <a:rPr lang="fr-FR" b="1" i="1" dirty="0">
+                          <a:solidFill>
+                            <a:srgbClr val="0070C0"/>
+                          </a:solidFill>
+                          <a:latin typeface="Cambria Math" panose="02040503050406030204" pitchFamily="18" charset="0"/>
+                        </a:rPr>
+                        <m:t>𝟏</m:t>
+                      </m:r>
+                      <m:r>
+                        <a:rPr lang="fr-FR" b="1" i="1" dirty="0">
+                          <a:solidFill>
+                            <a:srgbClr val="0070C0"/>
+                          </a:solidFill>
+                          <a:latin typeface="Cambria Math" panose="02040503050406030204" pitchFamily="18" charset="0"/>
+                        </a:rPr>
+                        <m:t>)</m:t>
+                      </m:r>
+                    </m:oMath>
+                  </m:oMathPara>
+                </a14:m>
+                <a:endParaRPr lang="fr-FR" b="1" dirty="0" smtClean="0">
+                  <a:solidFill>
+                    <a:srgbClr val="0070C0"/>
+                  </a:solidFill>
+                </a:endParaRPr>
+              </a:p>
+            </p:txBody>
+          </p:sp>
+        </mc:Choice>
+        <mc:Fallback xmlns="">
+          <p:sp>
+            <p:nvSpPr>
+              <p:cNvPr id="7" name="ZoneTexte 6"/>
+              <p:cNvSpPr txBox="1">
+                <a:spLocks noRot="1" noChangeAspect="1" noMove="1" noResize="1" noEditPoints="1" noAdjustHandles="1" noChangeArrowheads="1" noChangeShapeType="1" noTextEdit="1"/>
+              </p:cNvSpPr>
+              <p:nvPr/>
+            </p:nvSpPr>
+            <p:spPr>
+              <a:xfrm>
+                <a:off x="4766013" y="4226307"/>
+                <a:ext cx="713657" cy="369332"/>
+              </a:xfrm>
+              <a:prstGeom prst="rect">
+                <a:avLst/>
+              </a:prstGeom>
+              <a:blipFill>
+                <a:blip r:embed="rId5"/>
+                <a:stretch>
+                  <a:fillRect b="-13115"/>
+                </a:stretch>
+              </a:blipFill>
+            </p:spPr>
+            <p:txBody>
+              <a:bodyPr/>
+              <a:lstStyle/>
+              <a:p>
+                <a:r>
+                  <a:rPr lang="en-US">
+                    <a:noFill/>
+                  </a:rPr>
+                  <a:t> </a:t>
+                </a:r>
+              </a:p>
+            </p:txBody>
+          </p:sp>
+        </mc:Fallback>
+      </mc:AlternateContent>
+      <mc:AlternateContent xmlns:mc="http://schemas.openxmlformats.org/markup-compatibility/2006" xmlns:a14="http://schemas.microsoft.com/office/drawing/2010/main">
+        <mc:Choice Requires="a14">
+          <p:sp>
+            <p:nvSpPr>
+              <p:cNvPr id="10" name="ZoneTexte 9"/>
+              <p:cNvSpPr txBox="1"/>
+              <p:nvPr/>
+            </p:nvSpPr>
+            <p:spPr>
+              <a:xfrm>
+                <a:off x="4128650" y="3095168"/>
+                <a:ext cx="712054" cy="369332"/>
+              </a:xfrm>
+              <a:prstGeom prst="rect">
+                <a:avLst/>
+              </a:prstGeom>
+              <a:noFill/>
+            </p:spPr>
+            <p:txBody>
+              <a:bodyPr wrap="none" rtlCol="0">
+                <a:spAutoFit/>
+              </a:bodyPr>
+              <a:lstStyle/>
+              <a:p>
+                <a:pPr/>
+                <a14:m>
+                  <m:oMathPara xmlns:m="http://schemas.openxmlformats.org/officeDocument/2006/math">
+                    <m:oMathParaPr>
+                      <m:jc m:val="centerGroup"/>
+                    </m:oMathParaPr>
+                    <m:oMath xmlns:m="http://schemas.openxmlformats.org/officeDocument/2006/math">
+                      <m:r>
+                        <a:rPr lang="fr-FR" b="1" i="1" dirty="0" smtClean="0">
+                          <a:solidFill>
+                            <a:srgbClr val="00B050"/>
+                          </a:solidFill>
+                          <a:latin typeface="Cambria Math" panose="02040503050406030204" pitchFamily="18" charset="0"/>
+                        </a:rPr>
+                        <m:t>𝑪</m:t>
+                      </m:r>
+                      <m:r>
+                        <a:rPr lang="fr-FR" b="1" i="1" dirty="0" smtClean="0">
+                          <a:solidFill>
+                            <a:srgbClr val="00B050"/>
+                          </a:solidFill>
+                          <a:latin typeface="Cambria Math" panose="02040503050406030204" pitchFamily="18" charset="0"/>
+                        </a:rPr>
+                        <m:t>(</m:t>
+                      </m:r>
+                      <m:r>
+                        <a:rPr lang="fr-FR" b="1" i="1" dirty="0" smtClean="0">
+                          <a:solidFill>
+                            <a:srgbClr val="00B050"/>
+                          </a:solidFill>
+                          <a:latin typeface="Cambria Math" panose="02040503050406030204" pitchFamily="18" charset="0"/>
+                        </a:rPr>
+                        <m:t>𝟏</m:t>
+                      </m:r>
+                      <m:r>
+                        <a:rPr lang="fr-FR" b="1" i="1" dirty="0" smtClean="0">
+                          <a:solidFill>
+                            <a:srgbClr val="00B050"/>
+                          </a:solidFill>
+                          <a:latin typeface="Cambria Math" panose="02040503050406030204" pitchFamily="18" charset="0"/>
+                        </a:rPr>
+                        <m:t>)</m:t>
+                      </m:r>
+                    </m:oMath>
+                  </m:oMathPara>
+                </a14:m>
+                <a:endParaRPr lang="fr-FR" b="1" dirty="0" smtClean="0">
+                  <a:solidFill>
+                    <a:srgbClr val="00B050"/>
+                  </a:solidFill>
+                </a:endParaRPr>
+              </a:p>
+            </p:txBody>
+          </p:sp>
+        </mc:Choice>
+        <mc:Fallback xmlns="">
+          <p:sp>
+            <p:nvSpPr>
+              <p:cNvPr id="10" name="ZoneTexte 9"/>
+              <p:cNvSpPr txBox="1">
+                <a:spLocks noRot="1" noChangeAspect="1" noMove="1" noResize="1" noEditPoints="1" noAdjustHandles="1" noChangeArrowheads="1" noChangeShapeType="1" noTextEdit="1"/>
+              </p:cNvSpPr>
+              <p:nvPr/>
+            </p:nvSpPr>
+            <p:spPr>
+              <a:xfrm>
+                <a:off x="4128650" y="3095168"/>
+                <a:ext cx="712054" cy="369332"/>
+              </a:xfrm>
+              <a:prstGeom prst="rect">
+                <a:avLst/>
+              </a:prstGeom>
+              <a:blipFill>
+                <a:blip r:embed="rId6"/>
+                <a:stretch>
+                  <a:fillRect b="-13333"/>
+                </a:stretch>
+              </a:blipFill>
+            </p:spPr>
+            <p:txBody>
+              <a:bodyPr/>
+              <a:lstStyle/>
+              <a:p>
+                <a:r>
+                  <a:rPr lang="en-US">
+                    <a:noFill/>
+                  </a:rPr>
+                  <a:t> </a:t>
+                </a:r>
+              </a:p>
+            </p:txBody>
+          </p:sp>
+        </mc:Fallback>
+      </mc:AlternateContent>
+      <mc:AlternateContent xmlns:mc="http://schemas.openxmlformats.org/markup-compatibility/2006" xmlns:a14="http://schemas.microsoft.com/office/drawing/2010/main">
+        <mc:Choice Requires="a14">
+          <p:sp>
+            <p:nvSpPr>
+              <p:cNvPr id="11" name="ZoneTexte 10"/>
+              <p:cNvSpPr txBox="1"/>
+              <p:nvPr/>
+            </p:nvSpPr>
+            <p:spPr>
+              <a:xfrm>
+                <a:off x="5692015" y="5026715"/>
+                <a:ext cx="697627" cy="369332"/>
+              </a:xfrm>
+              <a:prstGeom prst="rect">
+                <a:avLst/>
+              </a:prstGeom>
+              <a:noFill/>
+            </p:spPr>
+            <p:txBody>
+              <a:bodyPr wrap="none" rtlCol="0">
+                <a:spAutoFit/>
+              </a:bodyPr>
+              <a:lstStyle/>
+              <a:p>
+                <a:pPr/>
+                <a14:m>
+                  <m:oMathPara xmlns:m="http://schemas.openxmlformats.org/officeDocument/2006/math">
+                    <m:oMathParaPr>
+                      <m:jc m:val="centerGroup"/>
+                    </m:oMathParaPr>
+                    <m:oMath xmlns:m="http://schemas.openxmlformats.org/officeDocument/2006/math">
+                      <m:r>
+                        <a:rPr lang="fr-FR" b="1" i="1" dirty="0" smtClean="0">
+                          <a:solidFill>
+                            <a:srgbClr val="0070C0"/>
+                          </a:solidFill>
+                          <a:latin typeface="Cambria Math" panose="02040503050406030204" pitchFamily="18" charset="0"/>
+                        </a:rPr>
+                        <m:t>𝑳</m:t>
+                      </m:r>
+                      <m:r>
+                        <a:rPr lang="fr-FR" b="1" i="1" dirty="0">
+                          <a:solidFill>
+                            <a:srgbClr val="0070C0"/>
+                          </a:solidFill>
+                          <a:latin typeface="Cambria Math" panose="02040503050406030204" pitchFamily="18" charset="0"/>
+                        </a:rPr>
+                        <m:t>(</m:t>
+                      </m:r>
+                      <m:r>
+                        <a:rPr lang="fr-FR" b="1" i="1" dirty="0">
+                          <a:solidFill>
+                            <a:srgbClr val="0070C0"/>
+                          </a:solidFill>
+                          <a:latin typeface="Cambria Math" panose="02040503050406030204" pitchFamily="18" charset="0"/>
+                        </a:rPr>
+                        <m:t>𝟏</m:t>
+                      </m:r>
+                      <m:r>
+                        <a:rPr lang="fr-FR" b="1" i="1" dirty="0">
+                          <a:solidFill>
+                            <a:srgbClr val="0070C0"/>
+                          </a:solidFill>
+                          <a:latin typeface="Cambria Math" panose="02040503050406030204" pitchFamily="18" charset="0"/>
+                        </a:rPr>
+                        <m:t>)</m:t>
+                      </m:r>
+                    </m:oMath>
+                  </m:oMathPara>
+                </a14:m>
+                <a:endParaRPr lang="fr-FR" b="1" dirty="0" smtClean="0">
+                  <a:solidFill>
+                    <a:srgbClr val="0070C0"/>
+                  </a:solidFill>
+                </a:endParaRPr>
+              </a:p>
+            </p:txBody>
+          </p:sp>
+        </mc:Choice>
+        <mc:Fallback xmlns="">
+          <p:sp>
+            <p:nvSpPr>
+              <p:cNvPr id="11" name="ZoneTexte 10"/>
+              <p:cNvSpPr txBox="1">
+                <a:spLocks noRot="1" noChangeAspect="1" noMove="1" noResize="1" noEditPoints="1" noAdjustHandles="1" noChangeArrowheads="1" noChangeShapeType="1" noTextEdit="1"/>
+              </p:cNvSpPr>
+              <p:nvPr/>
+            </p:nvSpPr>
+            <p:spPr>
+              <a:xfrm>
+                <a:off x="5692015" y="5026715"/>
+                <a:ext cx="697627" cy="369332"/>
+              </a:xfrm>
+              <a:prstGeom prst="rect">
+                <a:avLst/>
+              </a:prstGeom>
+              <a:blipFill>
+                <a:blip r:embed="rId7"/>
+                <a:stretch>
+                  <a:fillRect b="-13333"/>
+                </a:stretch>
+              </a:blipFill>
+            </p:spPr>
+            <p:txBody>
+              <a:bodyPr/>
+              <a:lstStyle/>
+              <a:p>
+                <a:r>
+                  <a:rPr lang="en-US">
+                    <a:noFill/>
+                  </a:rPr>
+                  <a:t> </a:t>
+                </a:r>
+              </a:p>
+            </p:txBody>
+          </p:sp>
+        </mc:Fallback>
+      </mc:AlternateContent>
+      <mc:AlternateContent xmlns:mc="http://schemas.openxmlformats.org/markup-compatibility/2006" xmlns:a14="http://schemas.microsoft.com/office/drawing/2010/main">
+        <mc:Choice Requires="a14">
+          <p:sp>
+            <p:nvSpPr>
+              <p:cNvPr id="12" name="ZoneTexte 11"/>
+              <p:cNvSpPr txBox="1"/>
+              <p:nvPr/>
+            </p:nvSpPr>
+            <p:spPr>
+              <a:xfrm>
+                <a:off x="9322462" y="4226307"/>
+                <a:ext cx="713657" cy="369332"/>
+              </a:xfrm>
+              <a:prstGeom prst="rect">
+                <a:avLst/>
+              </a:prstGeom>
+              <a:noFill/>
+            </p:spPr>
+            <p:txBody>
+              <a:bodyPr wrap="none" rtlCol="0">
+                <a:spAutoFit/>
+              </a:bodyPr>
+              <a:lstStyle/>
+              <a:p>
+                <a:pPr/>
+                <a14:m>
+                  <m:oMathPara xmlns:m="http://schemas.openxmlformats.org/officeDocument/2006/math">
+                    <m:oMathParaPr>
+                      <m:jc m:val="centerGroup"/>
+                    </m:oMathParaPr>
+                    <m:oMath xmlns:m="http://schemas.openxmlformats.org/officeDocument/2006/math">
+                      <m:r>
+                        <a:rPr lang="fr-FR" b="1" i="1" dirty="0" smtClean="0">
+                          <a:solidFill>
+                            <a:srgbClr val="0070C0"/>
+                          </a:solidFill>
+                          <a:latin typeface="Cambria Math" panose="02040503050406030204" pitchFamily="18" charset="0"/>
+                        </a:rPr>
+                        <m:t>𝒀</m:t>
+                      </m:r>
+                      <m:r>
+                        <a:rPr lang="fr-FR" b="1" i="1" dirty="0">
+                          <a:solidFill>
+                            <a:srgbClr val="0070C0"/>
+                          </a:solidFill>
+                          <a:latin typeface="Cambria Math" panose="02040503050406030204" pitchFamily="18" charset="0"/>
+                        </a:rPr>
+                        <m:t>(</m:t>
+                      </m:r>
+                      <m:r>
+                        <a:rPr lang="fr-FR" b="1" i="1" dirty="0" smtClean="0">
+                          <a:solidFill>
+                            <a:srgbClr val="0070C0"/>
+                          </a:solidFill>
+                          <a:latin typeface="Cambria Math" panose="02040503050406030204" pitchFamily="18" charset="0"/>
+                        </a:rPr>
+                        <m:t>𝟐</m:t>
+                      </m:r>
+                      <m:r>
+                        <a:rPr lang="fr-FR" b="1" i="1" dirty="0">
+                          <a:solidFill>
+                            <a:srgbClr val="0070C0"/>
+                          </a:solidFill>
+                          <a:latin typeface="Cambria Math" panose="02040503050406030204" pitchFamily="18" charset="0"/>
+                        </a:rPr>
+                        <m:t>)</m:t>
+                      </m:r>
+                    </m:oMath>
+                  </m:oMathPara>
+                </a14:m>
+                <a:endParaRPr lang="fr-FR" b="1" dirty="0" smtClean="0">
+                  <a:solidFill>
+                    <a:srgbClr val="0070C0"/>
+                  </a:solidFill>
+                </a:endParaRPr>
+              </a:p>
+            </p:txBody>
+          </p:sp>
+        </mc:Choice>
+        <mc:Fallback xmlns="">
+          <p:sp>
+            <p:nvSpPr>
+              <p:cNvPr id="12" name="ZoneTexte 11"/>
+              <p:cNvSpPr txBox="1">
+                <a:spLocks noRot="1" noChangeAspect="1" noMove="1" noResize="1" noEditPoints="1" noAdjustHandles="1" noChangeArrowheads="1" noChangeShapeType="1" noTextEdit="1"/>
+              </p:cNvSpPr>
+              <p:nvPr/>
+            </p:nvSpPr>
+            <p:spPr>
+              <a:xfrm>
+                <a:off x="9322462" y="4226307"/>
+                <a:ext cx="713657" cy="369332"/>
+              </a:xfrm>
+              <a:prstGeom prst="rect">
+                <a:avLst/>
+              </a:prstGeom>
+              <a:blipFill>
+                <a:blip r:embed="rId8"/>
+                <a:stretch>
+                  <a:fillRect b="-13115"/>
+                </a:stretch>
+              </a:blipFill>
+            </p:spPr>
+            <p:txBody>
+              <a:bodyPr/>
+              <a:lstStyle/>
+              <a:p>
+                <a:r>
+                  <a:rPr lang="en-US">
+                    <a:noFill/>
+                  </a:rPr>
+                  <a:t> </a:t>
+                </a:r>
+              </a:p>
+            </p:txBody>
+          </p:sp>
+        </mc:Fallback>
+      </mc:AlternateContent>
+      <mc:AlternateContent xmlns:mc="http://schemas.openxmlformats.org/markup-compatibility/2006" xmlns:a14="http://schemas.microsoft.com/office/drawing/2010/main">
+        <mc:Choice Requires="a14">
+          <p:sp>
+            <p:nvSpPr>
+              <p:cNvPr id="13" name="ZoneTexte 12"/>
+              <p:cNvSpPr txBox="1"/>
+              <p:nvPr/>
+            </p:nvSpPr>
+            <p:spPr>
+              <a:xfrm>
+                <a:off x="8397118" y="3124193"/>
+                <a:ext cx="712054" cy="369332"/>
+              </a:xfrm>
+              <a:prstGeom prst="rect">
+                <a:avLst/>
+              </a:prstGeom>
+              <a:noFill/>
+            </p:spPr>
+            <p:txBody>
+              <a:bodyPr wrap="none" rtlCol="0">
+                <a:spAutoFit/>
+              </a:bodyPr>
+              <a:lstStyle/>
+              <a:p>
+                <a:pPr/>
+                <a14:m>
+                  <m:oMathPara xmlns:m="http://schemas.openxmlformats.org/officeDocument/2006/math">
+                    <m:oMathParaPr>
+                      <m:jc m:val="centerGroup"/>
+                    </m:oMathParaPr>
+                    <m:oMath xmlns:m="http://schemas.openxmlformats.org/officeDocument/2006/math">
+                      <m:r>
+                        <a:rPr lang="fr-FR" b="1" i="1" dirty="0" smtClean="0">
+                          <a:solidFill>
+                            <a:srgbClr val="00B050"/>
+                          </a:solidFill>
+                          <a:latin typeface="Cambria Math" panose="02040503050406030204" pitchFamily="18" charset="0"/>
+                        </a:rPr>
+                        <m:t>𝑪</m:t>
+                      </m:r>
+                      <m:r>
+                        <a:rPr lang="fr-FR" b="1" i="1" dirty="0" smtClean="0">
+                          <a:solidFill>
+                            <a:srgbClr val="00B050"/>
+                          </a:solidFill>
+                          <a:latin typeface="Cambria Math" panose="02040503050406030204" pitchFamily="18" charset="0"/>
+                        </a:rPr>
+                        <m:t>(</m:t>
+                      </m:r>
+                      <m:r>
+                        <a:rPr lang="fr-FR" b="1" i="1" dirty="0" smtClean="0">
+                          <a:solidFill>
+                            <a:srgbClr val="00B050"/>
+                          </a:solidFill>
+                          <a:latin typeface="Cambria Math" panose="02040503050406030204" pitchFamily="18" charset="0"/>
+                        </a:rPr>
+                        <m:t>𝟐</m:t>
+                      </m:r>
+                      <m:r>
+                        <a:rPr lang="fr-FR" b="1" i="1" dirty="0" smtClean="0">
+                          <a:solidFill>
+                            <a:srgbClr val="00B050"/>
+                          </a:solidFill>
+                          <a:latin typeface="Cambria Math" panose="02040503050406030204" pitchFamily="18" charset="0"/>
+                        </a:rPr>
+                        <m:t>)</m:t>
+                      </m:r>
+                    </m:oMath>
+                  </m:oMathPara>
+                </a14:m>
+                <a:endParaRPr lang="fr-FR" b="1" dirty="0" smtClean="0">
+                  <a:solidFill>
+                    <a:srgbClr val="00B050"/>
+                  </a:solidFill>
+                </a:endParaRPr>
+              </a:p>
+            </p:txBody>
+          </p:sp>
+        </mc:Choice>
+        <mc:Fallback xmlns="">
+          <p:sp>
+            <p:nvSpPr>
+              <p:cNvPr id="13" name="ZoneTexte 12"/>
+              <p:cNvSpPr txBox="1">
+                <a:spLocks noRot="1" noChangeAspect="1" noMove="1" noResize="1" noEditPoints="1" noAdjustHandles="1" noChangeArrowheads="1" noChangeShapeType="1" noTextEdit="1"/>
+              </p:cNvSpPr>
+              <p:nvPr/>
+            </p:nvSpPr>
+            <p:spPr>
+              <a:xfrm>
+                <a:off x="8397118" y="3124193"/>
+                <a:ext cx="712054" cy="369332"/>
+              </a:xfrm>
+              <a:prstGeom prst="rect">
+                <a:avLst/>
+              </a:prstGeom>
+              <a:blipFill>
+                <a:blip r:embed="rId9"/>
+                <a:stretch>
+                  <a:fillRect b="-13115"/>
+                </a:stretch>
+              </a:blipFill>
+            </p:spPr>
+            <p:txBody>
+              <a:bodyPr/>
+              <a:lstStyle/>
+              <a:p>
+                <a:r>
+                  <a:rPr lang="en-US">
+                    <a:noFill/>
+                  </a:rPr>
+                  <a:t> </a:t>
+                </a:r>
+              </a:p>
+            </p:txBody>
+          </p:sp>
+        </mc:Fallback>
+      </mc:AlternateContent>
+      <p:cxnSp>
+        <p:nvCxnSpPr>
+          <p:cNvPr id="15" name="Connecteur droit avec flèche 14"/>
+          <p:cNvCxnSpPr/>
+          <p:nvPr/>
+        </p:nvCxnSpPr>
+        <p:spPr>
+          <a:xfrm>
+            <a:off x="2593910" y="1800808"/>
+            <a:ext cx="578498" cy="867747"/>
+          </a:xfrm>
+          <a:prstGeom prst="straightConnector1">
+            <a:avLst/>
+          </a:prstGeom>
+          <a:ln w="12700">
+            <a:solidFill>
+              <a:schemeClr val="tx1"/>
+            </a:solidFill>
+            <a:tailEnd type="triangle"/>
+          </a:ln>
+        </p:spPr>
+        <p:style>
+          <a:lnRef idx="1">
+            <a:schemeClr val="accent1"/>
+          </a:lnRef>
+          <a:fillRef idx="0">
+            <a:schemeClr val="accent1"/>
+          </a:fillRef>
+          <a:effectRef idx="0">
+            <a:schemeClr val="accent1"/>
+          </a:effectRef>
+          <a:fontRef idx="minor">
+            <a:schemeClr val="tx1"/>
+          </a:fontRef>
+        </p:style>
+      </p:cxnSp>
+      <p:cxnSp>
+        <p:nvCxnSpPr>
+          <p:cNvPr id="16" name="Connecteur droit avec flèche 15"/>
+          <p:cNvCxnSpPr/>
+          <p:nvPr/>
+        </p:nvCxnSpPr>
+        <p:spPr>
+          <a:xfrm>
+            <a:off x="3727196" y="3036321"/>
+            <a:ext cx="490240" cy="136268"/>
+          </a:xfrm>
+          <a:prstGeom prst="straightConnector1">
+            <a:avLst/>
+          </a:prstGeom>
+          <a:ln w="12700">
+            <a:solidFill>
+              <a:schemeClr val="tx1"/>
+            </a:solidFill>
+            <a:tailEnd type="triangle"/>
+          </a:ln>
+        </p:spPr>
+        <p:style>
+          <a:lnRef idx="1">
+            <a:schemeClr val="accent1"/>
+          </a:lnRef>
+          <a:fillRef idx="0">
+            <a:schemeClr val="accent1"/>
+          </a:fillRef>
+          <a:effectRef idx="0">
+            <a:schemeClr val="accent1"/>
+          </a:effectRef>
+          <a:fontRef idx="minor">
+            <a:schemeClr val="tx1"/>
+          </a:fontRef>
+        </p:style>
+      </p:cxnSp>
+      <p:cxnSp>
+        <p:nvCxnSpPr>
+          <p:cNvPr id="19" name="Connecteur droit avec flèche 18"/>
+          <p:cNvCxnSpPr/>
+          <p:nvPr/>
+        </p:nvCxnSpPr>
+        <p:spPr>
+          <a:xfrm>
+            <a:off x="8129881" y="3070080"/>
+            <a:ext cx="332984" cy="140810"/>
+          </a:xfrm>
+          <a:prstGeom prst="straightConnector1">
+            <a:avLst/>
+          </a:prstGeom>
+          <a:ln w="12700">
+            <a:solidFill>
+              <a:schemeClr val="tx1"/>
+            </a:solidFill>
+            <a:tailEnd type="triangle"/>
+          </a:ln>
+        </p:spPr>
+        <p:style>
+          <a:lnRef idx="1">
+            <a:schemeClr val="accent1"/>
+          </a:lnRef>
+          <a:fillRef idx="0">
+            <a:schemeClr val="accent1"/>
+          </a:fillRef>
+          <a:effectRef idx="0">
+            <a:schemeClr val="accent1"/>
+          </a:effectRef>
+          <a:fontRef idx="minor">
+            <a:schemeClr val="tx1"/>
+          </a:fontRef>
+        </p:style>
+      </p:cxnSp>
+      <p:cxnSp>
+        <p:nvCxnSpPr>
+          <p:cNvPr id="22" name="Connecteur droit avec flèche 21"/>
+          <p:cNvCxnSpPr/>
+          <p:nvPr/>
+        </p:nvCxnSpPr>
+        <p:spPr>
+          <a:xfrm>
+            <a:off x="3601616" y="3124193"/>
+            <a:ext cx="1231641" cy="1102114"/>
+          </a:xfrm>
+          <a:prstGeom prst="straightConnector1">
+            <a:avLst/>
+          </a:prstGeom>
+          <a:ln w="12700">
+            <a:solidFill>
+              <a:schemeClr val="tx1"/>
+            </a:solidFill>
+            <a:tailEnd type="triangle"/>
+          </a:ln>
+        </p:spPr>
+        <p:style>
+          <a:lnRef idx="1">
+            <a:schemeClr val="accent1"/>
+          </a:lnRef>
+          <a:fillRef idx="0">
+            <a:schemeClr val="accent1"/>
+          </a:fillRef>
+          <a:effectRef idx="0">
+            <a:schemeClr val="accent1"/>
+          </a:effectRef>
+          <a:fontRef idx="minor">
+            <a:schemeClr val="tx1"/>
+          </a:fontRef>
+        </p:style>
+      </p:cxnSp>
+      <p:cxnSp>
+        <p:nvCxnSpPr>
+          <p:cNvPr id="25" name="Connecteur droit avec flèche 24"/>
+          <p:cNvCxnSpPr>
+            <a:stCxn id="7" idx="3"/>
+            <a:endCxn id="12" idx="1"/>
+          </p:cNvCxnSpPr>
+          <p:nvPr/>
+        </p:nvCxnSpPr>
+        <p:spPr>
+          <a:xfrm>
+            <a:off x="5479670" y="4410973"/>
+            <a:ext cx="3842792" cy="0"/>
+          </a:xfrm>
+          <a:prstGeom prst="straightConnector1">
+            <a:avLst/>
+          </a:prstGeom>
+          <a:ln w="12700">
+            <a:solidFill>
+              <a:schemeClr val="tx1"/>
+            </a:solidFill>
+            <a:tailEnd type="triangle"/>
+          </a:ln>
+        </p:spPr>
+        <p:style>
+          <a:lnRef idx="1">
+            <a:schemeClr val="accent1"/>
+          </a:lnRef>
+          <a:fillRef idx="0">
+            <a:schemeClr val="accent1"/>
+          </a:fillRef>
+          <a:effectRef idx="0">
+            <a:schemeClr val="accent1"/>
+          </a:effectRef>
+          <a:fontRef idx="minor">
+            <a:schemeClr val="tx1"/>
+          </a:fontRef>
+        </p:style>
+      </p:cxnSp>
+      <p:cxnSp>
+        <p:nvCxnSpPr>
+          <p:cNvPr id="29" name="Connecteur droit avec flèche 28"/>
+          <p:cNvCxnSpPr>
+            <a:stCxn id="5" idx="3"/>
+            <a:endCxn id="6" idx="1"/>
+          </p:cNvCxnSpPr>
+          <p:nvPr/>
+        </p:nvCxnSpPr>
+        <p:spPr>
+          <a:xfrm>
+            <a:off x="3774041" y="2939527"/>
+            <a:ext cx="3631105" cy="0"/>
+          </a:xfrm>
+          <a:prstGeom prst="straightConnector1">
+            <a:avLst/>
+          </a:prstGeom>
+          <a:ln w="12700">
+            <a:solidFill>
+              <a:schemeClr val="tx1"/>
+            </a:solidFill>
+            <a:tailEnd type="triangle"/>
+          </a:ln>
+        </p:spPr>
+        <p:style>
+          <a:lnRef idx="1">
+            <a:schemeClr val="accent1"/>
+          </a:lnRef>
+          <a:fillRef idx="0">
+            <a:schemeClr val="accent1"/>
+          </a:fillRef>
+          <a:effectRef idx="0">
+            <a:schemeClr val="accent1"/>
+          </a:effectRef>
+          <a:fontRef idx="minor">
+            <a:schemeClr val="tx1"/>
+          </a:fontRef>
+        </p:style>
+      </p:cxnSp>
+      <p:cxnSp>
+        <p:nvCxnSpPr>
+          <p:cNvPr id="32" name="Connecteur droit avec flèche 31"/>
+          <p:cNvCxnSpPr>
+            <a:stCxn id="10" idx="3"/>
+            <a:endCxn id="13" idx="1"/>
+          </p:cNvCxnSpPr>
+          <p:nvPr/>
+        </p:nvCxnSpPr>
+        <p:spPr>
+          <a:xfrm>
+            <a:off x="4840704" y="3279834"/>
+            <a:ext cx="3556414" cy="29025"/>
+          </a:xfrm>
+          <a:prstGeom prst="straightConnector1">
+            <a:avLst/>
+          </a:prstGeom>
+          <a:ln w="12700">
+            <a:solidFill>
+              <a:schemeClr val="tx1"/>
+            </a:solidFill>
+            <a:tailEnd type="triangle"/>
+          </a:ln>
+        </p:spPr>
+        <p:style>
+          <a:lnRef idx="1">
+            <a:schemeClr val="accent1"/>
+          </a:lnRef>
+          <a:fillRef idx="0">
+            <a:schemeClr val="accent1"/>
+          </a:fillRef>
+          <a:effectRef idx="0">
+            <a:schemeClr val="accent1"/>
+          </a:effectRef>
+          <a:fontRef idx="minor">
+            <a:schemeClr val="tx1"/>
+          </a:fontRef>
+        </p:style>
+      </p:cxnSp>
+      <p:cxnSp>
+        <p:nvCxnSpPr>
+          <p:cNvPr id="37" name="Connecteur droit avec flèche 36"/>
+          <p:cNvCxnSpPr>
+            <a:stCxn id="4" idx="3"/>
+          </p:cNvCxnSpPr>
+          <p:nvPr/>
+        </p:nvCxnSpPr>
+        <p:spPr>
+          <a:xfrm>
+            <a:off x="2794817" y="1349533"/>
+            <a:ext cx="4606249" cy="1319022"/>
+          </a:xfrm>
+          <a:prstGeom prst="straightConnector1">
+            <a:avLst/>
+          </a:prstGeom>
+          <a:ln w="12700">
+            <a:solidFill>
+              <a:schemeClr val="tx1"/>
+            </a:solidFill>
+            <a:tailEnd type="triangle"/>
+          </a:ln>
+        </p:spPr>
+        <p:style>
+          <a:lnRef idx="1">
+            <a:schemeClr val="accent1"/>
+          </a:lnRef>
+          <a:fillRef idx="0">
+            <a:schemeClr val="accent1"/>
+          </a:fillRef>
+          <a:effectRef idx="0">
+            <a:schemeClr val="accent1"/>
+          </a:effectRef>
+          <a:fontRef idx="minor">
+            <a:schemeClr val="tx1"/>
+          </a:fontRef>
+        </p:style>
+      </p:cxnSp>
+      <p:cxnSp>
+        <p:nvCxnSpPr>
+          <p:cNvPr id="40" name="Connecteur droit avec flèche 39"/>
+          <p:cNvCxnSpPr/>
+          <p:nvPr/>
+        </p:nvCxnSpPr>
+        <p:spPr>
+          <a:xfrm>
+            <a:off x="2883159" y="1544293"/>
+            <a:ext cx="6226013" cy="2594740"/>
+          </a:xfrm>
+          <a:prstGeom prst="straightConnector1">
+            <a:avLst/>
+          </a:prstGeom>
+          <a:ln w="12700">
+            <a:solidFill>
+              <a:schemeClr val="tx1"/>
+            </a:solidFill>
+            <a:tailEnd type="triangle"/>
+          </a:ln>
+        </p:spPr>
+        <p:style>
+          <a:lnRef idx="1">
+            <a:schemeClr val="accent1"/>
+          </a:lnRef>
+          <a:fillRef idx="0">
+            <a:schemeClr val="accent1"/>
+          </a:fillRef>
+          <a:effectRef idx="0">
+            <a:schemeClr val="accent1"/>
+          </a:effectRef>
+          <a:fontRef idx="minor">
+            <a:schemeClr val="tx1"/>
+          </a:fontRef>
+        </p:style>
+      </p:cxnSp>
+      <p:sp>
+        <p:nvSpPr>
+          <p:cNvPr id="44" name="Forme libre 43"/>
+          <p:cNvSpPr/>
+          <p:nvPr/>
+        </p:nvSpPr>
+        <p:spPr>
+          <a:xfrm>
+            <a:off x="2323322" y="1828800"/>
+            <a:ext cx="2304662" cy="2481943"/>
+          </a:xfrm>
+          <a:custGeom>
+            <a:avLst/>
+            <a:gdLst>
+              <a:gd name="connsiteX0" fmla="*/ 0 w 2304662"/>
+              <a:gd name="connsiteY0" fmla="*/ 0 h 2481943"/>
+              <a:gd name="connsiteX1" fmla="*/ 681135 w 2304662"/>
+              <a:gd name="connsiteY1" fmla="*/ 1474237 h 2481943"/>
+              <a:gd name="connsiteX2" fmla="*/ 2304662 w 2304662"/>
+              <a:gd name="connsiteY2" fmla="*/ 2481943 h 2481943"/>
+            </a:gdLst>
+            <a:ahLst/>
+            <a:cxnLst>
+              <a:cxn ang="0">
+                <a:pos x="connsiteX0" y="connsiteY0"/>
+              </a:cxn>
+              <a:cxn ang="0">
+                <a:pos x="connsiteX1" y="connsiteY1"/>
+              </a:cxn>
+              <a:cxn ang="0">
+                <a:pos x="connsiteX2" y="connsiteY2"/>
+              </a:cxn>
+            </a:cxnLst>
+            <a:rect l="l" t="t" r="r" b="b"/>
+            <a:pathLst>
+              <a:path w="2304662" h="2481943">
+                <a:moveTo>
+                  <a:pt x="0" y="0"/>
+                </a:moveTo>
+                <a:cubicBezTo>
+                  <a:pt x="148512" y="530290"/>
+                  <a:pt x="297025" y="1060580"/>
+                  <a:pt x="681135" y="1474237"/>
+                </a:cubicBezTo>
+                <a:cubicBezTo>
+                  <a:pt x="1065245" y="1887894"/>
+                  <a:pt x="1684953" y="2184918"/>
+                  <a:pt x="2304662" y="2481943"/>
+                </a:cubicBezTo>
+              </a:path>
+            </a:pathLst>
+          </a:custGeom>
+          <a:noFill/>
+          <a:ln w="12700">
+            <a:solidFill>
+              <a:schemeClr val="tx1"/>
+            </a:solidFill>
+            <a:headEnd type="none" w="med" len="med"/>
+            <a:tailEnd type="triangle" w="med" len="med"/>
+          </a:ln>
+        </p:spPr>
+        <p:style>
+          <a:lnRef idx="2">
+            <a:schemeClr val="accent1">
+              <a:shade val="50000"/>
+            </a:schemeClr>
+          </a:lnRef>
+          <a:fillRef idx="1">
+            <a:schemeClr val="accent1"/>
+          </a:fillRef>
+          <a:effectRef idx="0">
+            <a:schemeClr val="accent1"/>
+          </a:effectRef>
+          <a:fontRef idx="minor">
+            <a:schemeClr val="lt1"/>
+          </a:fontRef>
+        </p:style>
+        <p:txBody>
+          <a:bodyPr rtlCol="0" anchor="ctr"/>
+          <a:lstStyle/>
+          <a:p>
+            <a:pPr algn="ctr"/>
+            <a:endParaRPr lang="en-US"/>
+          </a:p>
+        </p:txBody>
+      </p:sp>
+      <p:sp>
+        <p:nvSpPr>
+          <p:cNvPr id="45" name="Forme libre 44"/>
+          <p:cNvSpPr/>
+          <p:nvPr/>
+        </p:nvSpPr>
+        <p:spPr>
+          <a:xfrm>
+            <a:off x="2153714" y="1838131"/>
+            <a:ext cx="3407331" cy="3284375"/>
+          </a:xfrm>
+          <a:custGeom>
+            <a:avLst/>
+            <a:gdLst>
+              <a:gd name="connsiteX0" fmla="*/ 20319 w 3407331"/>
+              <a:gd name="connsiteY0" fmla="*/ 0 h 3284375"/>
+              <a:gd name="connsiteX1" fmla="*/ 505510 w 3407331"/>
+              <a:gd name="connsiteY1" fmla="*/ 2034073 h 3284375"/>
+              <a:gd name="connsiteX2" fmla="*/ 3407331 w 3407331"/>
+              <a:gd name="connsiteY2" fmla="*/ 3284375 h 3284375"/>
+            </a:gdLst>
+            <a:ahLst/>
+            <a:cxnLst>
+              <a:cxn ang="0">
+                <a:pos x="connsiteX0" y="connsiteY0"/>
+              </a:cxn>
+              <a:cxn ang="0">
+                <a:pos x="connsiteX1" y="connsiteY1"/>
+              </a:cxn>
+              <a:cxn ang="0">
+                <a:pos x="connsiteX2" y="connsiteY2"/>
+              </a:cxn>
+            </a:cxnLst>
+            <a:rect l="l" t="t" r="r" b="b"/>
+            <a:pathLst>
+              <a:path w="3407331" h="3284375">
+                <a:moveTo>
+                  <a:pt x="20319" y="0"/>
+                </a:moveTo>
+                <a:cubicBezTo>
+                  <a:pt x="-19337" y="743338"/>
+                  <a:pt x="-58992" y="1486677"/>
+                  <a:pt x="505510" y="2034073"/>
+                </a:cubicBezTo>
+                <a:cubicBezTo>
+                  <a:pt x="1070012" y="2581469"/>
+                  <a:pt x="2238671" y="2932922"/>
+                  <a:pt x="3407331" y="3284375"/>
+                </a:cubicBezTo>
+              </a:path>
+            </a:pathLst>
+          </a:custGeom>
+          <a:noFill/>
+          <a:ln w="12700">
+            <a:solidFill>
+              <a:schemeClr val="tx1"/>
+            </a:solidFill>
+            <a:headEnd type="none" w="med" len="med"/>
+            <a:tailEnd type="triangle" w="med" len="med"/>
+          </a:ln>
+        </p:spPr>
+        <p:style>
+          <a:lnRef idx="2">
+            <a:schemeClr val="accent1">
+              <a:shade val="50000"/>
+            </a:schemeClr>
+          </a:lnRef>
+          <a:fillRef idx="1">
+            <a:schemeClr val="accent1"/>
+          </a:fillRef>
+          <a:effectRef idx="0">
+            <a:schemeClr val="accent1"/>
+          </a:effectRef>
+          <a:fontRef idx="minor">
+            <a:schemeClr val="lt1"/>
+          </a:fontRef>
+        </p:style>
+        <p:txBody>
+          <a:bodyPr rtlCol="0" anchor="ctr"/>
+          <a:lstStyle/>
+          <a:p>
+            <a:pPr algn="ctr"/>
+            <a:endParaRPr lang="en-US"/>
+          </a:p>
+        </p:txBody>
+      </p:sp>
+      <p:sp>
+        <p:nvSpPr>
+          <p:cNvPr id="46" name="Forme libre 45"/>
+          <p:cNvSpPr/>
+          <p:nvPr/>
+        </p:nvSpPr>
+        <p:spPr>
+          <a:xfrm>
+            <a:off x="2845837" y="1222310"/>
+            <a:ext cx="5794310" cy="1875453"/>
+          </a:xfrm>
+          <a:custGeom>
+            <a:avLst/>
+            <a:gdLst>
+              <a:gd name="connsiteX0" fmla="*/ 0 w 5794310"/>
+              <a:gd name="connsiteY0" fmla="*/ 0 h 1875453"/>
+              <a:gd name="connsiteX1" fmla="*/ 65314 w 5794310"/>
+              <a:gd name="connsiteY1" fmla="*/ 0 h 1875453"/>
+              <a:gd name="connsiteX2" fmla="*/ 4030824 w 5794310"/>
+              <a:gd name="connsiteY2" fmla="*/ 727788 h 1875453"/>
+              <a:gd name="connsiteX3" fmla="*/ 5794310 w 5794310"/>
+              <a:gd name="connsiteY3" fmla="*/ 1875453 h 1875453"/>
+            </a:gdLst>
+            <a:ahLst/>
+            <a:cxnLst>
+              <a:cxn ang="0">
+                <a:pos x="connsiteX0" y="connsiteY0"/>
+              </a:cxn>
+              <a:cxn ang="0">
+                <a:pos x="connsiteX1" y="connsiteY1"/>
+              </a:cxn>
+              <a:cxn ang="0">
+                <a:pos x="connsiteX2" y="connsiteY2"/>
+              </a:cxn>
+              <a:cxn ang="0">
+                <a:pos x="connsiteX3" y="connsiteY3"/>
+              </a:cxn>
+            </a:cxnLst>
+            <a:rect l="l" t="t" r="r" b="b"/>
+            <a:pathLst>
+              <a:path w="5794310" h="1875453">
+                <a:moveTo>
+                  <a:pt x="0" y="0"/>
+                </a:moveTo>
+                <a:lnTo>
+                  <a:pt x="65314" y="0"/>
+                </a:lnTo>
+                <a:cubicBezTo>
+                  <a:pt x="737118" y="121298"/>
+                  <a:pt x="3075991" y="415213"/>
+                  <a:pt x="4030824" y="727788"/>
+                </a:cubicBezTo>
+                <a:cubicBezTo>
+                  <a:pt x="4985657" y="1040363"/>
+                  <a:pt x="5389983" y="1457908"/>
+                  <a:pt x="5794310" y="1875453"/>
+                </a:cubicBezTo>
+              </a:path>
+            </a:pathLst>
+          </a:custGeom>
+          <a:noFill/>
+          <a:ln w="12700">
+            <a:solidFill>
+              <a:schemeClr val="tx1"/>
+            </a:solidFill>
+            <a:headEnd type="none" w="med" len="med"/>
+            <a:tailEnd type="triangle" w="med" len="med"/>
+          </a:ln>
+        </p:spPr>
+        <p:style>
+          <a:lnRef idx="2">
+            <a:schemeClr val="accent1">
+              <a:shade val="50000"/>
+            </a:schemeClr>
+          </a:lnRef>
+          <a:fillRef idx="1">
+            <a:schemeClr val="accent1"/>
+          </a:fillRef>
+          <a:effectRef idx="0">
+            <a:schemeClr val="accent1"/>
+          </a:effectRef>
+          <a:fontRef idx="minor">
+            <a:schemeClr val="lt1"/>
+          </a:fontRef>
+        </p:style>
+        <p:txBody>
+          <a:bodyPr rtlCol="0" anchor="ctr"/>
+          <a:lstStyle/>
+          <a:p>
+            <a:pPr algn="ctr"/>
+            <a:endParaRPr lang="en-US"/>
+          </a:p>
+        </p:txBody>
+      </p:sp>
+      <p:sp>
+        <p:nvSpPr>
+          <p:cNvPr id="47" name="Forme libre 46"/>
+          <p:cNvSpPr/>
+          <p:nvPr/>
+        </p:nvSpPr>
+        <p:spPr>
+          <a:xfrm>
+            <a:off x="2864498" y="1127609"/>
+            <a:ext cx="6718041" cy="2931207"/>
+          </a:xfrm>
+          <a:custGeom>
+            <a:avLst/>
+            <a:gdLst>
+              <a:gd name="connsiteX0" fmla="*/ 0 w 6718041"/>
+              <a:gd name="connsiteY0" fmla="*/ 1395 h 2931207"/>
+              <a:gd name="connsiteX1" fmla="*/ 5206482 w 6718041"/>
+              <a:gd name="connsiteY1" fmla="*/ 477256 h 2931207"/>
+              <a:gd name="connsiteX2" fmla="*/ 6718041 w 6718041"/>
+              <a:gd name="connsiteY2" fmla="*/ 2931207 h 2931207"/>
+            </a:gdLst>
+            <a:ahLst/>
+            <a:cxnLst>
+              <a:cxn ang="0">
+                <a:pos x="connsiteX0" y="connsiteY0"/>
+              </a:cxn>
+              <a:cxn ang="0">
+                <a:pos x="connsiteX1" y="connsiteY1"/>
+              </a:cxn>
+              <a:cxn ang="0">
+                <a:pos x="connsiteX2" y="connsiteY2"/>
+              </a:cxn>
+            </a:cxnLst>
+            <a:rect l="l" t="t" r="r" b="b"/>
+            <a:pathLst>
+              <a:path w="6718041" h="2931207">
+                <a:moveTo>
+                  <a:pt x="0" y="1395"/>
+                </a:moveTo>
+                <a:cubicBezTo>
+                  <a:pt x="2043404" y="-4826"/>
+                  <a:pt x="4086809" y="-11046"/>
+                  <a:pt x="5206482" y="477256"/>
+                </a:cubicBezTo>
+                <a:cubicBezTo>
+                  <a:pt x="6326155" y="965558"/>
+                  <a:pt x="6522098" y="1948382"/>
+                  <a:pt x="6718041" y="2931207"/>
+                </a:cubicBezTo>
+              </a:path>
+            </a:pathLst>
+          </a:custGeom>
+          <a:noFill/>
+          <a:ln w="12700">
+            <a:solidFill>
+              <a:schemeClr val="tx1"/>
+            </a:solidFill>
+            <a:headEnd type="none" w="med" len="med"/>
+            <a:tailEnd type="triangle" w="med" len="med"/>
+          </a:ln>
+        </p:spPr>
+        <p:style>
+          <a:lnRef idx="2">
+            <a:schemeClr val="accent1">
+              <a:shade val="50000"/>
+            </a:schemeClr>
+          </a:lnRef>
+          <a:fillRef idx="1">
+            <a:schemeClr val="accent1"/>
+          </a:fillRef>
+          <a:effectRef idx="0">
+            <a:schemeClr val="accent1"/>
+          </a:effectRef>
+          <a:fontRef idx="minor">
+            <a:schemeClr val="lt1"/>
+          </a:fontRef>
+        </p:style>
+        <p:txBody>
+          <a:bodyPr rtlCol="0" anchor="ctr"/>
+          <a:lstStyle/>
+          <a:p>
+            <a:pPr algn="ctr"/>
+            <a:endParaRPr lang="en-US"/>
+          </a:p>
+        </p:txBody>
+      </p:sp>
+      <p:cxnSp>
+        <p:nvCxnSpPr>
+          <p:cNvPr id="48" name="Connecteur droit avec flèche 47"/>
+          <p:cNvCxnSpPr/>
+          <p:nvPr/>
+        </p:nvCxnSpPr>
+        <p:spPr>
+          <a:xfrm>
+            <a:off x="2774030" y="1713534"/>
+            <a:ext cx="1540561" cy="1419451"/>
+          </a:xfrm>
+          <a:prstGeom prst="straightConnector1">
+            <a:avLst/>
+          </a:prstGeom>
+          <a:ln w="12700">
+            <a:solidFill>
+              <a:schemeClr val="tx1"/>
+            </a:solidFill>
+            <a:tailEnd type="triangle"/>
+          </a:ln>
+        </p:spPr>
+        <p:style>
+          <a:lnRef idx="1">
+            <a:schemeClr val="accent1"/>
+          </a:lnRef>
+          <a:fillRef idx="0">
+            <a:schemeClr val="accent1"/>
+          </a:fillRef>
+          <a:effectRef idx="0">
+            <a:schemeClr val="accent1"/>
+          </a:effectRef>
+          <a:fontRef idx="minor">
+            <a:schemeClr val="tx1"/>
+          </a:fontRef>
+        </p:style>
+      </p:cxnSp>
+      <p:sp>
+        <p:nvSpPr>
+          <p:cNvPr id="51" name="Forme libre 50"/>
+          <p:cNvSpPr/>
+          <p:nvPr/>
+        </p:nvSpPr>
+        <p:spPr>
+          <a:xfrm>
+            <a:off x="3732245" y="3107094"/>
+            <a:ext cx="5449077" cy="1184988"/>
+          </a:xfrm>
+          <a:custGeom>
+            <a:avLst/>
+            <a:gdLst>
+              <a:gd name="connsiteX0" fmla="*/ 0 w 5449077"/>
+              <a:gd name="connsiteY0" fmla="*/ 0 h 1184988"/>
+              <a:gd name="connsiteX1" fmla="*/ 1754155 w 5449077"/>
+              <a:gd name="connsiteY1" fmla="*/ 830424 h 1184988"/>
+              <a:gd name="connsiteX2" fmla="*/ 5449077 w 5449077"/>
+              <a:gd name="connsiteY2" fmla="*/ 1184988 h 1184988"/>
+            </a:gdLst>
+            <a:ahLst/>
+            <a:cxnLst>
+              <a:cxn ang="0">
+                <a:pos x="connsiteX0" y="connsiteY0"/>
+              </a:cxn>
+              <a:cxn ang="0">
+                <a:pos x="connsiteX1" y="connsiteY1"/>
+              </a:cxn>
+              <a:cxn ang="0">
+                <a:pos x="connsiteX2" y="connsiteY2"/>
+              </a:cxn>
+            </a:cxnLst>
+            <a:rect l="l" t="t" r="r" b="b"/>
+            <a:pathLst>
+              <a:path w="5449077" h="1184988">
+                <a:moveTo>
+                  <a:pt x="0" y="0"/>
+                </a:moveTo>
+                <a:cubicBezTo>
+                  <a:pt x="422988" y="316463"/>
+                  <a:pt x="845976" y="632926"/>
+                  <a:pt x="1754155" y="830424"/>
+                </a:cubicBezTo>
+                <a:cubicBezTo>
+                  <a:pt x="2662334" y="1027922"/>
+                  <a:pt x="4055705" y="1106455"/>
+                  <a:pt x="5449077" y="1184988"/>
+                </a:cubicBezTo>
+              </a:path>
+            </a:pathLst>
+          </a:custGeom>
+          <a:noFill/>
+          <a:ln w="12700">
+            <a:solidFill>
+              <a:schemeClr val="tx1"/>
+            </a:solidFill>
+            <a:headEnd type="none" w="med" len="med"/>
+            <a:tailEnd type="triangle" w="med" len="med"/>
+          </a:ln>
+        </p:spPr>
+        <p:style>
+          <a:lnRef idx="2">
+            <a:schemeClr val="accent1">
+              <a:shade val="50000"/>
+            </a:schemeClr>
+          </a:lnRef>
+          <a:fillRef idx="1">
+            <a:schemeClr val="accent1"/>
+          </a:fillRef>
+          <a:effectRef idx="0">
+            <a:schemeClr val="accent1"/>
+          </a:effectRef>
+          <a:fontRef idx="minor">
+            <a:schemeClr val="lt1"/>
+          </a:fontRef>
+        </p:style>
+        <p:txBody>
+          <a:bodyPr rtlCol="0" anchor="ctr"/>
+          <a:lstStyle/>
+          <a:p>
+            <a:pPr algn="ctr"/>
+            <a:endParaRPr lang="en-US"/>
+          </a:p>
+        </p:txBody>
+      </p:sp>
+      <p:sp>
+        <p:nvSpPr>
+          <p:cNvPr id="52" name="Forme libre 51"/>
+          <p:cNvSpPr/>
+          <p:nvPr/>
+        </p:nvSpPr>
+        <p:spPr>
+          <a:xfrm>
+            <a:off x="3582955" y="3312367"/>
+            <a:ext cx="2062065" cy="1726164"/>
+          </a:xfrm>
+          <a:custGeom>
+            <a:avLst/>
+            <a:gdLst>
+              <a:gd name="connsiteX0" fmla="*/ 0 w 2062065"/>
+              <a:gd name="connsiteY0" fmla="*/ 0 h 1726164"/>
+              <a:gd name="connsiteX1" fmla="*/ 811763 w 2062065"/>
+              <a:gd name="connsiteY1" fmla="*/ 1175657 h 1726164"/>
+              <a:gd name="connsiteX2" fmla="*/ 2062065 w 2062065"/>
+              <a:gd name="connsiteY2" fmla="*/ 1726164 h 1726164"/>
+            </a:gdLst>
+            <a:ahLst/>
+            <a:cxnLst>
+              <a:cxn ang="0">
+                <a:pos x="connsiteX0" y="connsiteY0"/>
+              </a:cxn>
+              <a:cxn ang="0">
+                <a:pos x="connsiteX1" y="connsiteY1"/>
+              </a:cxn>
+              <a:cxn ang="0">
+                <a:pos x="connsiteX2" y="connsiteY2"/>
+              </a:cxn>
+            </a:cxnLst>
+            <a:rect l="l" t="t" r="r" b="b"/>
+            <a:pathLst>
+              <a:path w="2062065" h="1726164">
+                <a:moveTo>
+                  <a:pt x="0" y="0"/>
+                </a:moveTo>
+                <a:cubicBezTo>
+                  <a:pt x="234043" y="443981"/>
+                  <a:pt x="468086" y="887963"/>
+                  <a:pt x="811763" y="1175657"/>
+                </a:cubicBezTo>
+                <a:cubicBezTo>
+                  <a:pt x="1155440" y="1463351"/>
+                  <a:pt x="1608752" y="1594757"/>
+                  <a:pt x="2062065" y="1726164"/>
+                </a:cubicBezTo>
+              </a:path>
+            </a:pathLst>
+          </a:custGeom>
+          <a:noFill/>
+          <a:ln w="12700">
+            <a:solidFill>
+              <a:schemeClr val="tx1"/>
+            </a:solidFill>
+            <a:headEnd type="none" w="med" len="med"/>
+            <a:tailEnd type="triangle" w="med" len="med"/>
+          </a:ln>
+        </p:spPr>
+        <p:style>
+          <a:lnRef idx="2">
+            <a:schemeClr val="accent1">
+              <a:shade val="50000"/>
+            </a:schemeClr>
+          </a:lnRef>
+          <a:fillRef idx="1">
+            <a:schemeClr val="accent1"/>
+          </a:fillRef>
+          <a:effectRef idx="0">
+            <a:schemeClr val="accent1"/>
+          </a:effectRef>
+          <a:fontRef idx="minor">
+            <a:schemeClr val="lt1"/>
+          </a:fontRef>
+        </p:style>
+        <p:txBody>
+          <a:bodyPr rtlCol="0" anchor="ctr"/>
+          <a:lstStyle/>
+          <a:p>
+            <a:pPr algn="ctr"/>
+            <a:endParaRPr lang="en-US"/>
+          </a:p>
+        </p:txBody>
+      </p:sp>
+      <p:cxnSp>
+        <p:nvCxnSpPr>
+          <p:cNvPr id="53" name="Connecteur droit avec flèche 52"/>
+          <p:cNvCxnSpPr/>
+          <p:nvPr/>
+        </p:nvCxnSpPr>
+        <p:spPr>
+          <a:xfrm>
+            <a:off x="3909123" y="3001099"/>
+            <a:ext cx="4292461" cy="234189"/>
+          </a:xfrm>
+          <a:prstGeom prst="straightConnector1">
+            <a:avLst/>
+          </a:prstGeom>
+          <a:ln w="12700">
+            <a:solidFill>
+              <a:schemeClr val="tx1"/>
+            </a:solidFill>
+            <a:tailEnd type="triangle"/>
+          </a:ln>
+        </p:spPr>
+        <p:style>
+          <a:lnRef idx="1">
+            <a:schemeClr val="accent1"/>
+          </a:lnRef>
+          <a:fillRef idx="0">
+            <a:schemeClr val="accent1"/>
+          </a:fillRef>
+          <a:effectRef idx="0">
+            <a:schemeClr val="accent1"/>
+          </a:effectRef>
+          <a:fontRef idx="minor">
+            <a:schemeClr val="tx1"/>
+          </a:fontRef>
+        </p:style>
+      </p:cxnSp>
+      <p:cxnSp>
+        <p:nvCxnSpPr>
+          <p:cNvPr id="56" name="Connecteur droit avec flèche 55"/>
+          <p:cNvCxnSpPr>
+            <a:stCxn id="11" idx="0"/>
+          </p:cNvCxnSpPr>
+          <p:nvPr/>
+        </p:nvCxnSpPr>
+        <p:spPr>
+          <a:xfrm flipV="1">
+            <a:off x="6040829" y="3095168"/>
+            <a:ext cx="1570809" cy="1931547"/>
+          </a:xfrm>
+          <a:prstGeom prst="straightConnector1">
+            <a:avLst/>
+          </a:prstGeom>
+          <a:ln w="12700">
+            <a:solidFill>
+              <a:schemeClr val="tx1"/>
+            </a:solidFill>
+            <a:tailEnd type="triangle"/>
+          </a:ln>
+        </p:spPr>
+        <p:style>
+          <a:lnRef idx="1">
+            <a:schemeClr val="accent1"/>
+          </a:lnRef>
+          <a:fillRef idx="0">
+            <a:schemeClr val="accent1"/>
+          </a:fillRef>
+          <a:effectRef idx="0">
+            <a:schemeClr val="accent1"/>
+          </a:effectRef>
+          <a:fontRef idx="minor">
+            <a:schemeClr val="tx1"/>
+          </a:fontRef>
+        </p:style>
+      </p:cxnSp>
+      <p:cxnSp>
+        <p:nvCxnSpPr>
+          <p:cNvPr id="59" name="Connecteur droit avec flèche 58"/>
+          <p:cNvCxnSpPr/>
+          <p:nvPr/>
+        </p:nvCxnSpPr>
+        <p:spPr>
+          <a:xfrm flipV="1">
+            <a:off x="6223518" y="3493525"/>
+            <a:ext cx="2258114" cy="1533190"/>
+          </a:xfrm>
+          <a:prstGeom prst="straightConnector1">
+            <a:avLst/>
+          </a:prstGeom>
+          <a:ln w="12700">
+            <a:solidFill>
+              <a:schemeClr val="tx1"/>
+            </a:solidFill>
+            <a:tailEnd type="triangle"/>
+          </a:ln>
+        </p:spPr>
+        <p:style>
+          <a:lnRef idx="1">
+            <a:schemeClr val="accent1"/>
+          </a:lnRef>
+          <a:fillRef idx="0">
+            <a:schemeClr val="accent1"/>
+          </a:fillRef>
+          <a:effectRef idx="0">
+            <a:schemeClr val="accent1"/>
+          </a:effectRef>
+          <a:fontRef idx="minor">
+            <a:schemeClr val="tx1"/>
+          </a:fontRef>
+        </p:style>
+      </p:cxnSp>
+      <p:cxnSp>
+        <p:nvCxnSpPr>
+          <p:cNvPr id="62" name="Connecteur droit avec flèche 61"/>
+          <p:cNvCxnSpPr>
+            <a:stCxn id="11" idx="3"/>
+          </p:cNvCxnSpPr>
+          <p:nvPr/>
+        </p:nvCxnSpPr>
+        <p:spPr>
+          <a:xfrm flipV="1">
+            <a:off x="6389642" y="4574717"/>
+            <a:ext cx="2881111" cy="636664"/>
+          </a:xfrm>
+          <a:prstGeom prst="straightConnector1">
+            <a:avLst/>
+          </a:prstGeom>
+          <a:ln w="12700">
+            <a:solidFill>
+              <a:schemeClr val="tx1"/>
+            </a:solidFill>
+            <a:tailEnd type="triangle"/>
+          </a:ln>
+        </p:spPr>
+        <p:style>
+          <a:lnRef idx="1">
+            <a:schemeClr val="accent1"/>
+          </a:lnRef>
+          <a:fillRef idx="0">
+            <a:schemeClr val="accent1"/>
+          </a:fillRef>
+          <a:effectRef idx="0">
+            <a:schemeClr val="accent1"/>
+          </a:effectRef>
+          <a:fontRef idx="minor">
+            <a:schemeClr val="tx1"/>
+          </a:fontRef>
+        </p:style>
+      </p:cxnSp>
+      <p:sp>
+        <p:nvSpPr>
+          <p:cNvPr id="65" name="Forme libre 64"/>
+          <p:cNvSpPr/>
+          <p:nvPr/>
+        </p:nvSpPr>
+        <p:spPr>
+          <a:xfrm>
+            <a:off x="7865706" y="3125755"/>
+            <a:ext cx="1399592" cy="989045"/>
+          </a:xfrm>
+          <a:custGeom>
+            <a:avLst/>
+            <a:gdLst>
+              <a:gd name="connsiteX0" fmla="*/ 0 w 1399592"/>
+              <a:gd name="connsiteY0" fmla="*/ 0 h 989045"/>
+              <a:gd name="connsiteX1" fmla="*/ 419878 w 1399592"/>
+              <a:gd name="connsiteY1" fmla="*/ 475861 h 989045"/>
+              <a:gd name="connsiteX2" fmla="*/ 1399592 w 1399592"/>
+              <a:gd name="connsiteY2" fmla="*/ 989045 h 989045"/>
+            </a:gdLst>
+            <a:ahLst/>
+            <a:cxnLst>
+              <a:cxn ang="0">
+                <a:pos x="connsiteX0" y="connsiteY0"/>
+              </a:cxn>
+              <a:cxn ang="0">
+                <a:pos x="connsiteX1" y="connsiteY1"/>
+              </a:cxn>
+              <a:cxn ang="0">
+                <a:pos x="connsiteX2" y="connsiteY2"/>
+              </a:cxn>
+            </a:cxnLst>
+            <a:rect l="l" t="t" r="r" b="b"/>
+            <a:pathLst>
+              <a:path w="1399592" h="989045">
+                <a:moveTo>
+                  <a:pt x="0" y="0"/>
+                </a:moveTo>
+                <a:cubicBezTo>
+                  <a:pt x="93306" y="155510"/>
+                  <a:pt x="186613" y="311020"/>
+                  <a:pt x="419878" y="475861"/>
+                </a:cubicBezTo>
+                <a:cubicBezTo>
+                  <a:pt x="653143" y="640702"/>
+                  <a:pt x="1026367" y="814873"/>
+                  <a:pt x="1399592" y="989045"/>
+                </a:cubicBezTo>
+              </a:path>
+            </a:pathLst>
+          </a:custGeom>
+          <a:noFill/>
+          <a:ln w="12700">
+            <a:solidFill>
+              <a:schemeClr val="tx1"/>
+            </a:solidFill>
+            <a:headEnd type="none" w="med" len="med"/>
+            <a:tailEnd type="triangle" w="med" len="med"/>
+          </a:ln>
+        </p:spPr>
+        <p:style>
+          <a:lnRef idx="2">
+            <a:schemeClr val="accent1">
+              <a:shade val="50000"/>
+            </a:schemeClr>
+          </a:lnRef>
+          <a:fillRef idx="1">
+            <a:schemeClr val="accent1"/>
+          </a:fillRef>
+          <a:effectRef idx="0">
+            <a:schemeClr val="accent1"/>
+          </a:effectRef>
+          <a:fontRef idx="minor">
+            <a:schemeClr val="lt1"/>
+          </a:fontRef>
+        </p:style>
+        <p:txBody>
+          <a:bodyPr rtlCol="0" anchor="ctr"/>
+          <a:lstStyle/>
+          <a:p>
+            <a:pPr algn="ctr"/>
+            <a:endParaRPr lang="en-US"/>
+          </a:p>
+        </p:txBody>
+      </p:sp>
+      <p:cxnSp>
+        <p:nvCxnSpPr>
+          <p:cNvPr id="66" name="Connecteur droit avec flèche 65"/>
+          <p:cNvCxnSpPr/>
+          <p:nvPr/>
+        </p:nvCxnSpPr>
+        <p:spPr>
+          <a:xfrm flipV="1">
+            <a:off x="5479670" y="3106833"/>
+            <a:ext cx="1872905" cy="1185249"/>
+          </a:xfrm>
+          <a:prstGeom prst="straightConnector1">
+            <a:avLst/>
+          </a:prstGeom>
+          <a:ln w="12700">
+            <a:solidFill>
+              <a:schemeClr val="tx1"/>
+            </a:solidFill>
+            <a:tailEnd type="triangle"/>
+          </a:ln>
+        </p:spPr>
+        <p:style>
+          <a:lnRef idx="1">
+            <a:schemeClr val="accent1"/>
+          </a:lnRef>
+          <a:fillRef idx="0">
+            <a:schemeClr val="accent1"/>
+          </a:fillRef>
+          <a:effectRef idx="0">
+            <a:schemeClr val="accent1"/>
+          </a:effectRef>
+          <a:fontRef idx="minor">
+            <a:schemeClr val="tx1"/>
+          </a:fontRef>
+        </p:style>
+      </p:cxnSp>
+      <p:cxnSp>
+        <p:nvCxnSpPr>
+          <p:cNvPr id="69" name="Connecteur droit avec flèche 68"/>
+          <p:cNvCxnSpPr/>
+          <p:nvPr/>
+        </p:nvCxnSpPr>
+        <p:spPr>
+          <a:xfrm flipV="1">
+            <a:off x="5561045" y="3424439"/>
+            <a:ext cx="2762171" cy="893976"/>
+          </a:xfrm>
+          <a:prstGeom prst="straightConnector1">
+            <a:avLst/>
+          </a:prstGeom>
+          <a:ln w="12700">
+            <a:solidFill>
+              <a:schemeClr val="tx1"/>
+            </a:solidFill>
+            <a:tailEnd type="triangle"/>
+          </a:ln>
+        </p:spPr>
+        <p:style>
+          <a:lnRef idx="1">
+            <a:schemeClr val="accent1"/>
+          </a:lnRef>
+          <a:fillRef idx="0">
+            <a:schemeClr val="accent1"/>
+          </a:fillRef>
+          <a:effectRef idx="0">
+            <a:schemeClr val="accent1"/>
+          </a:effectRef>
+          <a:fontRef idx="minor">
+            <a:schemeClr val="tx1"/>
+          </a:fontRef>
+        </p:style>
+      </p:cxnSp>
+      <p:cxnSp>
+        <p:nvCxnSpPr>
+          <p:cNvPr id="3" name="Connecteur droit 2"/>
+          <p:cNvCxnSpPr/>
+          <p:nvPr/>
+        </p:nvCxnSpPr>
+        <p:spPr>
+          <a:xfrm flipV="1">
+            <a:off x="1986647" y="634482"/>
+            <a:ext cx="4236871" cy="4392233"/>
+          </a:xfrm>
+          <a:prstGeom prst="line">
+            <a:avLst/>
+          </a:prstGeom>
+          <a:ln>
+            <a:solidFill>
+              <a:schemeClr val="accent4">
+                <a:lumMod val="75000"/>
+              </a:schemeClr>
+            </a:solidFill>
+            <a:prstDash val="dash"/>
+          </a:ln>
+        </p:spPr>
+        <p:style>
+          <a:lnRef idx="1">
+            <a:schemeClr val="accent1"/>
+          </a:lnRef>
+          <a:fillRef idx="0">
+            <a:schemeClr val="accent1"/>
+          </a:fillRef>
+          <a:effectRef idx="0">
+            <a:schemeClr val="accent1"/>
+          </a:effectRef>
+          <a:fontRef idx="minor">
+            <a:schemeClr val="tx1"/>
+          </a:fontRef>
+        </p:style>
+      </p:cxnSp>
+      <p:sp>
+        <p:nvSpPr>
+          <p:cNvPr id="8" name="ZoneTexte 7"/>
+          <p:cNvSpPr txBox="1"/>
+          <p:nvPr/>
+        </p:nvSpPr>
+        <p:spPr>
+          <a:xfrm>
+            <a:off x="5122841" y="467250"/>
+            <a:ext cx="758541" cy="369332"/>
+          </a:xfrm>
+          <a:prstGeom prst="rect">
+            <a:avLst/>
+          </a:prstGeom>
+          <a:noFill/>
+        </p:spPr>
+        <p:txBody>
+          <a:bodyPr wrap="none" rtlCol="0">
+            <a:spAutoFit/>
+          </a:bodyPr>
+          <a:lstStyle/>
+          <a:p>
+            <a:r>
+              <a:rPr lang="fr-FR" dirty="0" err="1" smtClean="0">
+                <a:solidFill>
+                  <a:schemeClr val="accent4">
+                    <a:lumMod val="75000"/>
+                  </a:schemeClr>
+                </a:solidFill>
+              </a:rPr>
+              <a:t>Visit</a:t>
+            </a:r>
+            <a:r>
+              <a:rPr lang="fr-FR" dirty="0" smtClean="0">
+                <a:solidFill>
+                  <a:schemeClr val="accent4">
+                    <a:lumMod val="75000"/>
+                  </a:schemeClr>
+                </a:solidFill>
+              </a:rPr>
+              <a:t> 1</a:t>
+            </a:r>
+            <a:endParaRPr lang="en-US" dirty="0">
+              <a:solidFill>
+                <a:schemeClr val="accent4">
+                  <a:lumMod val="75000"/>
+                </a:schemeClr>
+              </a:solidFill>
+            </a:endParaRPr>
+          </a:p>
+        </p:txBody>
+      </p:sp>
+      <p:cxnSp>
+        <p:nvCxnSpPr>
+          <p:cNvPr id="36" name="Connecteur droit 35"/>
+          <p:cNvCxnSpPr/>
+          <p:nvPr/>
+        </p:nvCxnSpPr>
+        <p:spPr>
+          <a:xfrm flipV="1">
+            <a:off x="7942242" y="775452"/>
+            <a:ext cx="655151" cy="4916222"/>
+          </a:xfrm>
+          <a:prstGeom prst="line">
+            <a:avLst/>
+          </a:prstGeom>
+          <a:ln>
+            <a:solidFill>
+              <a:schemeClr val="accent4">
+                <a:lumMod val="75000"/>
+              </a:schemeClr>
+            </a:solidFill>
+            <a:prstDash val="dash"/>
+          </a:ln>
+        </p:spPr>
+        <p:style>
+          <a:lnRef idx="1">
+            <a:schemeClr val="accent1"/>
+          </a:lnRef>
+          <a:fillRef idx="0">
+            <a:schemeClr val="accent1"/>
+          </a:fillRef>
+          <a:effectRef idx="0">
+            <a:schemeClr val="accent1"/>
+          </a:effectRef>
+          <a:fontRef idx="minor">
+            <a:schemeClr val="tx1"/>
+          </a:fontRef>
+        </p:style>
+      </p:cxnSp>
+      <p:sp>
+        <p:nvSpPr>
+          <p:cNvPr id="39" name="ZoneTexte 38"/>
+          <p:cNvSpPr txBox="1"/>
+          <p:nvPr/>
+        </p:nvSpPr>
+        <p:spPr>
+          <a:xfrm>
+            <a:off x="7017577" y="635158"/>
+            <a:ext cx="758541" cy="369332"/>
+          </a:xfrm>
+          <a:prstGeom prst="rect">
+            <a:avLst/>
+          </a:prstGeom>
+          <a:noFill/>
+        </p:spPr>
+        <p:txBody>
+          <a:bodyPr wrap="none" rtlCol="0">
+            <a:spAutoFit/>
+          </a:bodyPr>
+          <a:lstStyle/>
+          <a:p>
+            <a:r>
+              <a:rPr lang="fr-FR" dirty="0" err="1" smtClean="0">
+                <a:solidFill>
+                  <a:schemeClr val="accent4">
+                    <a:lumMod val="75000"/>
+                  </a:schemeClr>
+                </a:solidFill>
+              </a:rPr>
+              <a:t>Visit</a:t>
+            </a:r>
+            <a:r>
+              <a:rPr lang="fr-FR" dirty="0" smtClean="0">
+                <a:solidFill>
+                  <a:schemeClr val="accent4">
+                    <a:lumMod val="75000"/>
+                  </a:schemeClr>
+                </a:solidFill>
+              </a:rPr>
+              <a:t> 2</a:t>
+            </a:r>
+            <a:endParaRPr lang="en-US" dirty="0">
+              <a:solidFill>
+                <a:schemeClr val="accent4">
+                  <a:lumMod val="75000"/>
+                </a:schemeClr>
+              </a:solidFill>
+            </a:endParaRPr>
+          </a:p>
+        </p:txBody>
+      </p:sp>
+      <p:sp>
+        <p:nvSpPr>
+          <p:cNvPr id="41" name="ZoneTexte 40"/>
+          <p:cNvSpPr txBox="1"/>
+          <p:nvPr/>
+        </p:nvSpPr>
+        <p:spPr>
+          <a:xfrm>
+            <a:off x="8697011" y="822804"/>
+            <a:ext cx="758541" cy="369332"/>
+          </a:xfrm>
+          <a:prstGeom prst="rect">
+            <a:avLst/>
+          </a:prstGeom>
+          <a:noFill/>
+        </p:spPr>
+        <p:txBody>
+          <a:bodyPr wrap="none" rtlCol="0">
+            <a:spAutoFit/>
+          </a:bodyPr>
+          <a:lstStyle/>
+          <a:p>
+            <a:r>
+              <a:rPr lang="fr-FR" dirty="0" err="1" smtClean="0">
+                <a:solidFill>
+                  <a:schemeClr val="accent4">
+                    <a:lumMod val="75000"/>
+                  </a:schemeClr>
+                </a:solidFill>
+              </a:rPr>
+              <a:t>Visit</a:t>
+            </a:r>
+            <a:r>
+              <a:rPr lang="fr-FR" dirty="0" smtClean="0">
+                <a:solidFill>
+                  <a:schemeClr val="accent4">
+                    <a:lumMod val="75000"/>
+                  </a:schemeClr>
+                </a:solidFill>
+              </a:rPr>
+              <a:t> 3</a:t>
+            </a:r>
+            <a:endParaRPr lang="en-US" dirty="0">
+              <a:solidFill>
+                <a:schemeClr val="accent4">
+                  <a:lumMod val="75000"/>
+                </a:schemeClr>
+              </a:solidFill>
+            </a:endParaRPr>
+          </a:p>
+        </p:txBody>
+      </p:sp>
+    </p:spTree>
+    <p:extLst>
+      <p:ext uri="{BB962C8B-B14F-4D97-AF65-F5344CB8AC3E}">
+        <p14:creationId xmlns:p14="http://schemas.microsoft.com/office/powerpoint/2010/main" val="2820177045"/>
       </p:ext>
     </p:extLst>
   </p:cSld>

--- a/images/DAG.pptx
+++ b/images/DAG.pptx
@@ -244,7 +244,7 @@
           <a:p>
             <a:fld id="{B030A541-3F6B-42FD-9C8E-FEC9C25F1663}" type="datetimeFigureOut">
               <a:rPr lang="en-US" smtClean="0"/>
-              <a:t>10/10/2025</a:t>
+              <a:t>10/13/2025</a:t>
             </a:fld>
             <a:endParaRPr lang="en-US"/>
           </a:p>
@@ -414,7 +414,7 @@
           <a:p>
             <a:fld id="{B030A541-3F6B-42FD-9C8E-FEC9C25F1663}" type="datetimeFigureOut">
               <a:rPr lang="en-US" smtClean="0"/>
-              <a:t>10/10/2025</a:t>
+              <a:t>10/13/2025</a:t>
             </a:fld>
             <a:endParaRPr lang="en-US"/>
           </a:p>
@@ -594,7 +594,7 @@
           <a:p>
             <a:fld id="{B030A541-3F6B-42FD-9C8E-FEC9C25F1663}" type="datetimeFigureOut">
               <a:rPr lang="en-US" smtClean="0"/>
-              <a:t>10/10/2025</a:t>
+              <a:t>10/13/2025</a:t>
             </a:fld>
             <a:endParaRPr lang="en-US"/>
           </a:p>
@@ -764,7 +764,7 @@
           <a:p>
             <a:fld id="{B030A541-3F6B-42FD-9C8E-FEC9C25F1663}" type="datetimeFigureOut">
               <a:rPr lang="en-US" smtClean="0"/>
-              <a:t>10/10/2025</a:t>
+              <a:t>10/13/2025</a:t>
             </a:fld>
             <a:endParaRPr lang="en-US"/>
           </a:p>
@@ -1010,7 +1010,7 @@
           <a:p>
             <a:fld id="{B030A541-3F6B-42FD-9C8E-FEC9C25F1663}" type="datetimeFigureOut">
               <a:rPr lang="en-US" smtClean="0"/>
-              <a:t>10/10/2025</a:t>
+              <a:t>10/13/2025</a:t>
             </a:fld>
             <a:endParaRPr lang="en-US"/>
           </a:p>
@@ -1242,7 +1242,7 @@
           <a:p>
             <a:fld id="{B030A541-3F6B-42FD-9C8E-FEC9C25F1663}" type="datetimeFigureOut">
               <a:rPr lang="en-US" smtClean="0"/>
-              <a:t>10/10/2025</a:t>
+              <a:t>10/13/2025</a:t>
             </a:fld>
             <a:endParaRPr lang="en-US"/>
           </a:p>
@@ -1609,7 +1609,7 @@
           <a:p>
             <a:fld id="{B030A541-3F6B-42FD-9C8E-FEC9C25F1663}" type="datetimeFigureOut">
               <a:rPr lang="en-US" smtClean="0"/>
-              <a:t>10/10/2025</a:t>
+              <a:t>10/13/2025</a:t>
             </a:fld>
             <a:endParaRPr lang="en-US"/>
           </a:p>
@@ -1727,7 +1727,7 @@
           <a:p>
             <a:fld id="{B030A541-3F6B-42FD-9C8E-FEC9C25F1663}" type="datetimeFigureOut">
               <a:rPr lang="en-US" smtClean="0"/>
-              <a:t>10/10/2025</a:t>
+              <a:t>10/13/2025</a:t>
             </a:fld>
             <a:endParaRPr lang="en-US"/>
           </a:p>
@@ -1822,7 +1822,7 @@
           <a:p>
             <a:fld id="{B030A541-3F6B-42FD-9C8E-FEC9C25F1663}" type="datetimeFigureOut">
               <a:rPr lang="en-US" smtClean="0"/>
-              <a:t>10/10/2025</a:t>
+              <a:t>10/13/2025</a:t>
             </a:fld>
             <a:endParaRPr lang="en-US"/>
           </a:p>
@@ -2099,7 +2099,7 @@
           <a:p>
             <a:fld id="{B030A541-3F6B-42FD-9C8E-FEC9C25F1663}" type="datetimeFigureOut">
               <a:rPr lang="en-US" smtClean="0"/>
-              <a:t>10/10/2025</a:t>
+              <a:t>10/13/2025</a:t>
             </a:fld>
             <a:endParaRPr lang="en-US"/>
           </a:p>
@@ -2352,7 +2352,7 @@
           <a:p>
             <a:fld id="{B030A541-3F6B-42FD-9C8E-FEC9C25F1663}" type="datetimeFigureOut">
               <a:rPr lang="en-US" smtClean="0"/>
-              <a:t>10/10/2025</a:t>
+              <a:t>10/13/2025</a:t>
             </a:fld>
             <a:endParaRPr lang="en-US"/>
           </a:p>
@@ -2565,7 +2565,7 @@
           <a:p>
             <a:fld id="{B030A541-3F6B-42FD-9C8E-FEC9C25F1663}" type="datetimeFigureOut">
               <a:rPr lang="en-US" smtClean="0"/>
-              <a:t>10/10/2025</a:t>
+              <a:t>10/13/2025</a:t>
             </a:fld>
             <a:endParaRPr lang="en-US"/>
           </a:p>
@@ -6428,7 +6428,7 @@
             <a:r>
               <a:rPr lang="fr-FR" dirty="0" err="1" smtClean="0">
                 <a:solidFill>
-                  <a:schemeClr val="accent4">
+                  <a:schemeClr val="accent2">
                     <a:lumMod val="75000"/>
                   </a:schemeClr>
                 </a:solidFill>
@@ -6438,7 +6438,7 @@
             <a:r>
               <a:rPr lang="fr-FR" dirty="0" smtClean="0">
                 <a:solidFill>
-                  <a:schemeClr val="accent4">
+                  <a:schemeClr val="accent2">
                     <a:lumMod val="75000"/>
                   </a:schemeClr>
                 </a:solidFill>
@@ -6447,7 +6447,7 @@
             </a:r>
             <a:endParaRPr lang="en-US" dirty="0">
               <a:solidFill>
-                <a:schemeClr val="accent4">
+                <a:schemeClr val="accent2">
                   <a:lumMod val="75000"/>
                 </a:schemeClr>
               </a:solidFill>
@@ -6518,7 +6518,7 @@
             <a:r>
               <a:rPr lang="fr-FR" dirty="0" err="1" smtClean="0">
                 <a:solidFill>
-                  <a:schemeClr val="accent4">
+                  <a:schemeClr val="accent2">
                     <a:lumMod val="75000"/>
                   </a:schemeClr>
                 </a:solidFill>
@@ -6528,7 +6528,7 @@
             <a:r>
               <a:rPr lang="fr-FR" dirty="0" smtClean="0">
                 <a:solidFill>
-                  <a:schemeClr val="accent4">
+                  <a:schemeClr val="accent2">
                     <a:lumMod val="75000"/>
                   </a:schemeClr>
                 </a:solidFill>
@@ -6537,7 +6537,7 @@
             </a:r>
             <a:endParaRPr lang="en-US" dirty="0">
               <a:solidFill>
-                <a:schemeClr val="accent4">
+                <a:schemeClr val="accent2">
                   <a:lumMod val="75000"/>
                 </a:schemeClr>
               </a:solidFill>
@@ -6570,7 +6570,7 @@
             <a:r>
               <a:rPr lang="fr-FR" dirty="0" err="1" smtClean="0">
                 <a:solidFill>
-                  <a:schemeClr val="accent4">
+                  <a:schemeClr val="accent2">
                     <a:lumMod val="75000"/>
                   </a:schemeClr>
                 </a:solidFill>
@@ -6580,7 +6580,7 @@
             <a:r>
               <a:rPr lang="fr-FR" dirty="0" smtClean="0">
                 <a:solidFill>
-                  <a:schemeClr val="accent4">
+                  <a:schemeClr val="accent2">
                     <a:lumMod val="75000"/>
                   </a:schemeClr>
                 </a:solidFill>
@@ -6589,7 +6589,7 @@
             </a:r>
             <a:endParaRPr lang="en-US" dirty="0">
               <a:solidFill>
-                <a:schemeClr val="accent4">
+                <a:schemeClr val="accent2">
                   <a:lumMod val="75000"/>
                 </a:schemeClr>
               </a:solidFill>
